--- a/tutorials/presentations/Lecture4.pptx
+++ b/tutorials/presentations/Lecture4.pptx
@@ -1167,6 +1167,60 @@
       </pc:sldChg>
     </pc:docChg>
   </pc:docChgLst>
+  <pc:docChgLst>
+    <pc:chgData name="Ben Jones (Ben Jones)" userId="e6e8a0f3-34fe-4d14-b7ab-3a9f1769fff2" providerId="ADAL" clId="{3261F93D-5AC4-4CA5-BCD6-8A0F1626ED9F}"/>
+    <pc:docChg chg="undo custSel modSld">
+      <pc:chgData name="Ben Jones (Ben Jones)" userId="e6e8a0f3-34fe-4d14-b7ab-3a9f1769fff2" providerId="ADAL" clId="{3261F93D-5AC4-4CA5-BCD6-8A0F1626ED9F}" dt="2025-06-11T05:54:49.811" v="41" actId="20577"/>
+      <pc:docMkLst>
+        <pc:docMk/>
+      </pc:docMkLst>
+      <pc:sldChg chg="modSp mod">
+        <pc:chgData name="Ben Jones (Ben Jones)" userId="e6e8a0f3-34fe-4d14-b7ab-3a9f1769fff2" providerId="ADAL" clId="{3261F93D-5AC4-4CA5-BCD6-8A0F1626ED9F}" dt="2025-06-11T05:54:49.811" v="41" actId="20577"/>
+        <pc:sldMkLst>
+          <pc:docMk/>
+          <pc:sldMk cId="3635014069" sldId="258"/>
+        </pc:sldMkLst>
+        <pc:spChg chg="mod">
+          <ac:chgData name="Ben Jones (Ben Jones)" userId="e6e8a0f3-34fe-4d14-b7ab-3a9f1769fff2" providerId="ADAL" clId="{3261F93D-5AC4-4CA5-BCD6-8A0F1626ED9F}" dt="2025-06-11T05:54:49.811" v="41" actId="20577"/>
+          <ac:spMkLst>
+            <pc:docMk/>
+            <pc:sldMk cId="3635014069" sldId="258"/>
+            <ac:spMk id="6" creationId="{1E0B453A-CD21-CEA9-19F5-A9097CDD28B8}"/>
+          </ac:spMkLst>
+        </pc:spChg>
+      </pc:sldChg>
+      <pc:sldChg chg="modSp mod">
+        <pc:chgData name="Ben Jones (Ben Jones)" userId="e6e8a0f3-34fe-4d14-b7ab-3a9f1769fff2" providerId="ADAL" clId="{3261F93D-5AC4-4CA5-BCD6-8A0F1626ED9F}" dt="2025-06-11T05:43:01.809" v="4"/>
+        <pc:sldMkLst>
+          <pc:docMk/>
+          <pc:sldMk cId="1175822862" sldId="263"/>
+        </pc:sldMkLst>
+        <pc:spChg chg="mod">
+          <ac:chgData name="Ben Jones (Ben Jones)" userId="e6e8a0f3-34fe-4d14-b7ab-3a9f1769fff2" providerId="ADAL" clId="{3261F93D-5AC4-4CA5-BCD6-8A0F1626ED9F}" dt="2025-06-11T05:43:01.809" v="4"/>
+          <ac:spMkLst>
+            <pc:docMk/>
+            <pc:sldMk cId="1175822862" sldId="263"/>
+            <ac:spMk id="7" creationId="{56C6F239-F5E8-6417-880B-0B56CE59D207}"/>
+          </ac:spMkLst>
+        </pc:spChg>
+      </pc:sldChg>
+      <pc:sldChg chg="modSp mod">
+        <pc:chgData name="Ben Jones (Ben Jones)" userId="e6e8a0f3-34fe-4d14-b7ab-3a9f1769fff2" providerId="ADAL" clId="{3261F93D-5AC4-4CA5-BCD6-8A0F1626ED9F}" dt="2025-06-11T05:43:32.571" v="6"/>
+        <pc:sldMkLst>
+          <pc:docMk/>
+          <pc:sldMk cId="525501252" sldId="267"/>
+        </pc:sldMkLst>
+        <pc:spChg chg="mod">
+          <ac:chgData name="Ben Jones (Ben Jones)" userId="e6e8a0f3-34fe-4d14-b7ab-3a9f1769fff2" providerId="ADAL" clId="{3261F93D-5AC4-4CA5-BCD6-8A0F1626ED9F}" dt="2025-06-11T05:43:32.571" v="6"/>
+          <ac:spMkLst>
+            <pc:docMk/>
+            <pc:sldMk cId="525501252" sldId="267"/>
+            <ac:spMk id="2" creationId="{4E39B84F-40E2-A933-0A0B-26AE4074B21B}"/>
+          </ac:spMkLst>
+        </pc:spChg>
+      </pc:sldChg>
+    </pc:docChg>
+  </pc:docChgLst>
 </pc:chgInfo>
 </file>
 
@@ -1319,7 +1373,7 @@
           <a:p>
             <a:fld id="{1D30A4DD-26E1-4754-8784-A5449317D6AC}" type="datetimeFigureOut">
               <a:rPr lang="en-AU" smtClean="0"/>
-              <a:t>10/06/2025</a:t>
+              <a:t>11/06/2025</a:t>
             </a:fld>
             <a:endParaRPr lang="en-AU"/>
           </a:p>
@@ -1519,7 +1573,7 @@
           <a:p>
             <a:fld id="{1D30A4DD-26E1-4754-8784-A5449317D6AC}" type="datetimeFigureOut">
               <a:rPr lang="en-AU" smtClean="0"/>
-              <a:t>10/06/2025</a:t>
+              <a:t>11/06/2025</a:t>
             </a:fld>
             <a:endParaRPr lang="en-AU"/>
           </a:p>
@@ -1729,7 +1783,7 @@
           <a:p>
             <a:fld id="{1D30A4DD-26E1-4754-8784-A5449317D6AC}" type="datetimeFigureOut">
               <a:rPr lang="en-AU" smtClean="0"/>
-              <a:t>10/06/2025</a:t>
+              <a:t>11/06/2025</a:t>
             </a:fld>
             <a:endParaRPr lang="en-AU"/>
           </a:p>
@@ -1929,7 +1983,7 @@
           <a:p>
             <a:fld id="{1D30A4DD-26E1-4754-8784-A5449317D6AC}" type="datetimeFigureOut">
               <a:rPr lang="en-AU" smtClean="0"/>
-              <a:t>10/06/2025</a:t>
+              <a:t>11/06/2025</a:t>
             </a:fld>
             <a:endParaRPr lang="en-AU"/>
           </a:p>
@@ -2205,7 +2259,7 @@
           <a:p>
             <a:fld id="{1D30A4DD-26E1-4754-8784-A5449317D6AC}" type="datetimeFigureOut">
               <a:rPr lang="en-AU" smtClean="0"/>
-              <a:t>10/06/2025</a:t>
+              <a:t>11/06/2025</a:t>
             </a:fld>
             <a:endParaRPr lang="en-AU"/>
           </a:p>
@@ -2473,7 +2527,7 @@
           <a:p>
             <a:fld id="{1D30A4DD-26E1-4754-8784-A5449317D6AC}" type="datetimeFigureOut">
               <a:rPr lang="en-AU" smtClean="0"/>
-              <a:t>10/06/2025</a:t>
+              <a:t>11/06/2025</a:t>
             </a:fld>
             <a:endParaRPr lang="en-AU"/>
           </a:p>
@@ -2888,7 +2942,7 @@
           <a:p>
             <a:fld id="{1D30A4DD-26E1-4754-8784-A5449317D6AC}" type="datetimeFigureOut">
               <a:rPr lang="en-AU" smtClean="0"/>
-              <a:t>10/06/2025</a:t>
+              <a:t>11/06/2025</a:t>
             </a:fld>
             <a:endParaRPr lang="en-AU"/>
           </a:p>
@@ -3030,7 +3084,7 @@
           <a:p>
             <a:fld id="{1D30A4DD-26E1-4754-8784-A5449317D6AC}" type="datetimeFigureOut">
               <a:rPr lang="en-AU" smtClean="0"/>
-              <a:t>10/06/2025</a:t>
+              <a:t>11/06/2025</a:t>
             </a:fld>
             <a:endParaRPr lang="en-AU"/>
           </a:p>
@@ -3143,7 +3197,7 @@
           <a:p>
             <a:fld id="{1D30A4DD-26E1-4754-8784-A5449317D6AC}" type="datetimeFigureOut">
               <a:rPr lang="en-AU" smtClean="0"/>
-              <a:t>10/06/2025</a:t>
+              <a:t>11/06/2025</a:t>
             </a:fld>
             <a:endParaRPr lang="en-AU"/>
           </a:p>
@@ -3456,7 +3510,7 @@
           <a:p>
             <a:fld id="{1D30A4DD-26E1-4754-8784-A5449317D6AC}" type="datetimeFigureOut">
               <a:rPr lang="en-AU" smtClean="0"/>
-              <a:t>10/06/2025</a:t>
+              <a:t>11/06/2025</a:t>
             </a:fld>
             <a:endParaRPr lang="en-AU"/>
           </a:p>
@@ -3745,7 +3799,7 @@
           <a:p>
             <a:fld id="{1D30A4DD-26E1-4754-8784-A5449317D6AC}" type="datetimeFigureOut">
               <a:rPr lang="en-AU" smtClean="0"/>
-              <a:t>10/06/2025</a:t>
+              <a:t>11/06/2025</a:t>
             </a:fld>
             <a:endParaRPr lang="en-AU"/>
           </a:p>
@@ -3988,7 +4042,7 @@
           <a:p>
             <a:fld id="{1D30A4DD-26E1-4754-8784-A5449317D6AC}" type="datetimeFigureOut">
               <a:rPr lang="en-AU" smtClean="0"/>
-              <a:t>10/06/2025</a:t>
+              <a:t>11/06/2025</a:t>
             </a:fld>
             <a:endParaRPr lang="en-AU"/>
           </a:p>
@@ -4876,13 +4930,18 @@
           <a:p>
             <a:r>
               <a:rPr lang="en-US" dirty="0"/>
-              <a:t>Implement an advanced button</a:t>
-            </a:r>
+              <a:t>Implement and Unit Test advanced </a:t>
+            </a:r>
+            <a:r>
+              <a:rPr lang="en-US"/>
+              <a:t>button class</a:t>
+            </a:r>
+            <a:endParaRPr lang="en-US" dirty="0"/>
           </a:p>
           <a:p>
             <a:r>
               <a:rPr lang="en-US" dirty="0"/>
-              <a:t>Implement audio notification class</a:t>
+              <a:t>Implement and Unit Test audio notification class</a:t>
             </a:r>
           </a:p>
         </p:txBody>
@@ -4940,7 +4999,15 @@
           <a:p>
             <a:r>
               <a:rPr lang="en-US" dirty="0"/>
-              <a:t>Extend LED Functionality</a:t>
+              <a:t>Complete &amp; Unit Test the </a:t>
+            </a:r>
+            <a:r>
+              <a:rPr lang="en-US" dirty="0" err="1"/>
+              <a:t>Pedestrian_Button</a:t>
+            </a:r>
+            <a:r>
+              <a:rPr lang="en-US" dirty="0"/>
+              <a:t> class</a:t>
             </a:r>
             <a:endParaRPr lang="en-AU" dirty="0"/>
           </a:p>
@@ -5049,8 +5116,16 @@
           <a:lstStyle/>
           <a:p>
             <a:r>
+              <a:rPr lang="en-US"/>
+              <a:t>Complete &amp; Unit Test the </a:t>
+            </a:r>
+            <a:r>
+              <a:rPr lang="en-US" dirty="0" err="1"/>
+              <a:t>Audio_Notification</a:t>
+            </a:r>
+            <a:r>
               <a:rPr lang="en-US" dirty="0"/>
-              <a:t>Complete led light class</a:t>
+              <a:t> class</a:t>
             </a:r>
             <a:endParaRPr lang="en-AU" dirty="0"/>
           </a:p>

--- a/tutorials/presentations/Lecture4.pptx
+++ b/tutorials/presentations/Lecture4.pptx
@@ -8,8 +8,14 @@
     <p:sldId id="256" r:id="rId2"/>
     <p:sldId id="257" r:id="rId3"/>
     <p:sldId id="258" r:id="rId4"/>
-    <p:sldId id="263" r:id="rId5"/>
-    <p:sldId id="267" r:id="rId6"/>
+    <p:sldId id="264" r:id="rId5"/>
+    <p:sldId id="268" r:id="rId6"/>
+    <p:sldId id="274" r:id="rId7"/>
+    <p:sldId id="270" r:id="rId8"/>
+    <p:sldId id="271" r:id="rId9"/>
+    <p:sldId id="272" r:id="rId10"/>
+    <p:sldId id="273" r:id="rId11"/>
+    <p:sldId id="263" r:id="rId12"/>
   </p:sldIdLst>
   <p:sldSz cx="12192000" cy="6858000"/>
   <p:notesSz cx="6858000" cy="9144000"/>
@@ -119,10 +125,7 @@
 <file path=ppt/revisionInfo.xml><?xml version="1.0" encoding="utf-8"?>
 <p1510:revInfo xmlns:a="http://schemas.openxmlformats.org/drawingml/2006/main" xmlns:r="http://schemas.openxmlformats.org/officeDocument/2006/relationships" xmlns:p1510="http://schemas.microsoft.com/office/powerpoint/2015/10/main">
   <p1510:revLst>
-    <p1510:client id="{2A4F3FF4-B48F-4BF2-8996-C16EAC4E46EE}" v="11" dt="2025-06-10T11:18:53.831"/>
-    <p1510:client id="{5E7C3CBE-C13F-479A-83E0-3A9F66E33821}" v="5" dt="2025-06-10T12:05:17.757"/>
-    <p1510:client id="{78C1D944-C5E2-4D33-BE3A-5C243E175D98}" v="22" dt="2025-06-10T10:39:16.928"/>
-    <p1510:client id="{B204C6DB-D499-4973-8E04-3A79F73ABFFA}" v="8" dt="2025-06-10T12:01:26.867"/>
+    <p1510:client id="{5E7C3CBE-C13F-479A-83E0-3A9F66E33821}" v="10" dt="2025-06-11T11:56:29.601"/>
   </p1510:revLst>
 </p1510:revInfo>
 </file>
@@ -377,8 +380,8 @@
   </pc:docChgLst>
   <pc:docChgLst>
     <pc:chgData name="Ben Jones (Ben Jones)" userId="e6e8a0f3-34fe-4d14-b7ab-3a9f1769fff2" providerId="ADAL" clId="{5E7C3CBE-C13F-479A-83E0-3A9F66E33821}"/>
-    <pc:docChg chg="delSld modSld">
-      <pc:chgData name="Ben Jones (Ben Jones)" userId="e6e8a0f3-34fe-4d14-b7ab-3a9f1769fff2" providerId="ADAL" clId="{5E7C3CBE-C13F-479A-83E0-3A9F66E33821}" dt="2025-06-10T12:05:48.298" v="8" actId="20577"/>
+    <pc:docChg chg="custSel addSld delSld modSld">
+      <pc:chgData name="Ben Jones (Ben Jones)" userId="e6e8a0f3-34fe-4d14-b7ab-3a9f1769fff2" providerId="ADAL" clId="{5E7C3CBE-C13F-479A-83E0-3A9F66E33821}" dt="2025-06-11T12:05:01.329" v="453"/>
       <pc:docMkLst>
         <pc:docMk/>
       </pc:docMkLst>
@@ -398,13 +401,13 @@
         </pc:spChg>
       </pc:sldChg>
       <pc:sldChg chg="modSp mod">
-        <pc:chgData name="Ben Jones (Ben Jones)" userId="e6e8a0f3-34fe-4d14-b7ab-3a9f1769fff2" providerId="ADAL" clId="{5E7C3CBE-C13F-479A-83E0-3A9F66E33821}" dt="2025-06-10T12:04:37.782" v="0"/>
+        <pc:chgData name="Ben Jones (Ben Jones)" userId="e6e8a0f3-34fe-4d14-b7ab-3a9f1769fff2" providerId="ADAL" clId="{5E7C3CBE-C13F-479A-83E0-3A9F66E33821}" dt="2025-06-11T11:59:51.334" v="430" actId="20577"/>
         <pc:sldMkLst>
           <pc:docMk/>
           <pc:sldMk cId="3635014069" sldId="258"/>
         </pc:sldMkLst>
         <pc:spChg chg="mod">
-          <ac:chgData name="Ben Jones (Ben Jones)" userId="e6e8a0f3-34fe-4d14-b7ab-3a9f1769fff2" providerId="ADAL" clId="{5E7C3CBE-C13F-479A-83E0-3A9F66E33821}" dt="2025-06-10T12:04:37.782" v="0"/>
+          <ac:chgData name="Ben Jones (Ben Jones)" userId="e6e8a0f3-34fe-4d14-b7ab-3a9f1769fff2" providerId="ADAL" clId="{5E7C3CBE-C13F-479A-83E0-3A9F66E33821}" dt="2025-06-11T11:59:51.334" v="430" actId="20577"/>
           <ac:spMkLst>
             <pc:docMk/>
             <pc:sldMk cId="3635014069" sldId="258"/>
@@ -420,19 +423,50 @@
         </pc:sldMkLst>
       </pc:sldChg>
       <pc:sldChg chg="modSp mod">
-        <pc:chgData name="Ben Jones (Ben Jones)" userId="e6e8a0f3-34fe-4d14-b7ab-3a9f1769fff2" providerId="ADAL" clId="{5E7C3CBE-C13F-479A-83E0-3A9F66E33821}" dt="2025-06-10T12:05:22.001" v="6" actId="20577"/>
+        <pc:chgData name="Ben Jones (Ben Jones)" userId="e6e8a0f3-34fe-4d14-b7ab-3a9f1769fff2" providerId="ADAL" clId="{5E7C3CBE-C13F-479A-83E0-3A9F66E33821}" dt="2025-06-11T11:57:02.261" v="293" actId="20577"/>
         <pc:sldMkLst>
           <pc:docMk/>
           <pc:sldMk cId="1175822862" sldId="263"/>
         </pc:sldMkLst>
         <pc:spChg chg="mod">
-          <ac:chgData name="Ben Jones (Ben Jones)" userId="e6e8a0f3-34fe-4d14-b7ab-3a9f1769fff2" providerId="ADAL" clId="{5E7C3CBE-C13F-479A-83E0-3A9F66E33821}" dt="2025-06-10T12:05:22.001" v="6" actId="20577"/>
+          <ac:chgData name="Ben Jones (Ben Jones)" userId="e6e8a0f3-34fe-4d14-b7ab-3a9f1769fff2" providerId="ADAL" clId="{5E7C3CBE-C13F-479A-83E0-3A9F66E33821}" dt="2025-06-11T11:56:34.116" v="215" actId="6549"/>
+          <ac:spMkLst>
+            <pc:docMk/>
+            <pc:sldMk cId="1175822862" sldId="263"/>
+            <ac:spMk id="7" creationId="{56C6F239-F5E8-6417-880B-0B56CE59D207}"/>
+          </ac:spMkLst>
+        </pc:spChg>
+        <pc:spChg chg="mod">
+          <ac:chgData name="Ben Jones (Ben Jones)" userId="e6e8a0f3-34fe-4d14-b7ab-3a9f1769fff2" providerId="ADAL" clId="{5E7C3CBE-C13F-479A-83E0-3A9F66E33821}" dt="2025-06-11T11:57:02.261" v="293" actId="20577"/>
           <ac:spMkLst>
             <pc:docMk/>
             <pc:sldMk cId="1175822862" sldId="263"/>
             <ac:spMk id="8" creationId="{A8D1847C-4AD3-1D2C-43B8-828394D9FF0E}"/>
           </ac:spMkLst>
         </pc:spChg>
+      </pc:sldChg>
+      <pc:sldChg chg="modSp add mod">
+        <pc:chgData name="Ben Jones (Ben Jones)" userId="e6e8a0f3-34fe-4d14-b7ab-3a9f1769fff2" providerId="ADAL" clId="{5E7C3CBE-C13F-479A-83E0-3A9F66E33821}" dt="2025-06-11T12:02:03.859" v="434" actId="20577"/>
+        <pc:sldMkLst>
+          <pc:docMk/>
+          <pc:sldMk cId="549990195" sldId="264"/>
+        </pc:sldMkLst>
+        <pc:spChg chg="mod">
+          <ac:chgData name="Ben Jones (Ben Jones)" userId="e6e8a0f3-34fe-4d14-b7ab-3a9f1769fff2" providerId="ADAL" clId="{5E7C3CBE-C13F-479A-83E0-3A9F66E33821}" dt="2025-06-11T12:02:03.859" v="434" actId="20577"/>
+          <ac:spMkLst>
+            <pc:docMk/>
+            <pc:sldMk cId="549990195" sldId="264"/>
+            <ac:spMk id="10" creationId="{400FA594-97CE-8BD3-D0B0-58075BCDEA2F}"/>
+          </ac:spMkLst>
+        </pc:spChg>
+        <pc:picChg chg="mod">
+          <ac:chgData name="Ben Jones (Ben Jones)" userId="e6e8a0f3-34fe-4d14-b7ab-3a9f1769fff2" providerId="ADAL" clId="{5E7C3CBE-C13F-479A-83E0-3A9F66E33821}" dt="2025-06-11T11:47:40.517" v="11" actId="14826"/>
+          <ac:picMkLst>
+            <pc:docMk/>
+            <pc:sldMk cId="549990195" sldId="264"/>
+            <ac:picMk id="3" creationId="{0A4946D7-D489-5D8A-F199-89C94DED1838}"/>
+          </ac:picMkLst>
+        </pc:picChg>
       </pc:sldChg>
       <pc:sldChg chg="del">
         <pc:chgData name="Ben Jones (Ben Jones)" userId="e6e8a0f3-34fe-4d14-b7ab-3a9f1769fff2" providerId="ADAL" clId="{5E7C3CBE-C13F-479A-83E0-3A9F66E33821}" dt="2025-06-10T12:04:43.604" v="1" actId="47"/>
@@ -448,8 +482,8 @@
           <pc:sldMk cId="2628338777" sldId="266"/>
         </pc:sldMkLst>
       </pc:sldChg>
-      <pc:sldChg chg="modSp mod">
-        <pc:chgData name="Ben Jones (Ben Jones)" userId="e6e8a0f3-34fe-4d14-b7ab-3a9f1769fff2" providerId="ADAL" clId="{5E7C3CBE-C13F-479A-83E0-3A9F66E33821}" dt="2025-06-10T12:05:24.939" v="7" actId="20577"/>
+      <pc:sldChg chg="modSp del mod">
+        <pc:chgData name="Ben Jones (Ben Jones)" userId="e6e8a0f3-34fe-4d14-b7ab-3a9f1769fff2" providerId="ADAL" clId="{5E7C3CBE-C13F-479A-83E0-3A9F66E33821}" dt="2025-06-11T12:00:11.948" v="431" actId="2696"/>
         <pc:sldMkLst>
           <pc:docMk/>
           <pc:sldMk cId="525501252" sldId="267"/>
@@ -462,6 +496,135 @@
             <ac:spMk id="3" creationId="{55D2AEAE-B87B-B831-1DC0-2D5719D54B21}"/>
           </ac:spMkLst>
         </pc:spChg>
+      </pc:sldChg>
+      <pc:sldChg chg="modSp add mod">
+        <pc:chgData name="Ben Jones (Ben Jones)" userId="e6e8a0f3-34fe-4d14-b7ab-3a9f1769fff2" providerId="ADAL" clId="{5E7C3CBE-C13F-479A-83E0-3A9F66E33821}" dt="2025-06-11T12:05:01.329" v="453"/>
+        <pc:sldMkLst>
+          <pc:docMk/>
+          <pc:sldMk cId="4286823996" sldId="268"/>
+        </pc:sldMkLst>
+        <pc:spChg chg="mod">
+          <ac:chgData name="Ben Jones (Ben Jones)" userId="e6e8a0f3-34fe-4d14-b7ab-3a9f1769fff2" providerId="ADAL" clId="{5E7C3CBE-C13F-479A-83E0-3A9F66E33821}" dt="2025-06-11T12:04:57.677" v="452" actId="20577"/>
+          <ac:spMkLst>
+            <pc:docMk/>
+            <pc:sldMk cId="4286823996" sldId="268"/>
+            <ac:spMk id="2" creationId="{1014C040-0011-B132-BBB4-963A422BA42C}"/>
+          </ac:spMkLst>
+        </pc:spChg>
+        <pc:spChg chg="mod">
+          <ac:chgData name="Ben Jones (Ben Jones)" userId="e6e8a0f3-34fe-4d14-b7ab-3a9f1769fff2" providerId="ADAL" clId="{5E7C3CBE-C13F-479A-83E0-3A9F66E33821}" dt="2025-06-11T12:05:01.329" v="453"/>
+          <ac:spMkLst>
+            <pc:docMk/>
+            <pc:sldMk cId="4286823996" sldId="268"/>
+            <ac:spMk id="3" creationId="{10BF6715-B6F1-BE80-23EB-752BDCA181D5}"/>
+          </ac:spMkLst>
+        </pc:spChg>
+      </pc:sldChg>
+      <pc:sldChg chg="new del">
+        <pc:chgData name="Ben Jones (Ben Jones)" userId="e6e8a0f3-34fe-4d14-b7ab-3a9f1769fff2" providerId="ADAL" clId="{5E7C3CBE-C13F-479A-83E0-3A9F66E33821}" dt="2025-06-11T11:54:42.959" v="201" actId="2696"/>
+        <pc:sldMkLst>
+          <pc:docMk/>
+          <pc:sldMk cId="2483779420" sldId="269"/>
+        </pc:sldMkLst>
+      </pc:sldChg>
+      <pc:sldChg chg="modSp add mod">
+        <pc:chgData name="Ben Jones (Ben Jones)" userId="e6e8a0f3-34fe-4d14-b7ab-3a9f1769fff2" providerId="ADAL" clId="{5E7C3CBE-C13F-479A-83E0-3A9F66E33821}" dt="2025-06-11T11:50:55.919" v="96" actId="313"/>
+        <pc:sldMkLst>
+          <pc:docMk/>
+          <pc:sldMk cId="3357493407" sldId="270"/>
+        </pc:sldMkLst>
+        <pc:spChg chg="mod">
+          <ac:chgData name="Ben Jones (Ben Jones)" userId="e6e8a0f3-34fe-4d14-b7ab-3a9f1769fff2" providerId="ADAL" clId="{5E7C3CBE-C13F-479A-83E0-3A9F66E33821}" dt="2025-06-11T11:50:55.919" v="96" actId="313"/>
+          <ac:spMkLst>
+            <pc:docMk/>
+            <pc:sldMk cId="3357493407" sldId="270"/>
+            <ac:spMk id="2" creationId="{DB5534D5-B2A0-9E61-585C-4CC06EA10EEB}"/>
+          </ac:spMkLst>
+        </pc:spChg>
+        <pc:spChg chg="mod">
+          <ac:chgData name="Ben Jones (Ben Jones)" userId="e6e8a0f3-34fe-4d14-b7ab-3a9f1769fff2" providerId="ADAL" clId="{5E7C3CBE-C13F-479A-83E0-3A9F66E33821}" dt="2025-06-11T11:50:38.001" v="86" actId="255"/>
+          <ac:spMkLst>
+            <pc:docMk/>
+            <pc:sldMk cId="3357493407" sldId="270"/>
+            <ac:spMk id="3" creationId="{C2C8DF3B-9ABB-07C7-805D-34BABB6E0262}"/>
+          </ac:spMkLst>
+        </pc:spChg>
+      </pc:sldChg>
+      <pc:sldChg chg="modSp add mod">
+        <pc:chgData name="Ben Jones (Ben Jones)" userId="e6e8a0f3-34fe-4d14-b7ab-3a9f1769fff2" providerId="ADAL" clId="{5E7C3CBE-C13F-479A-83E0-3A9F66E33821}" dt="2025-06-11T11:51:37.260" v="112" actId="255"/>
+        <pc:sldMkLst>
+          <pc:docMk/>
+          <pc:sldMk cId="3935255901" sldId="271"/>
+        </pc:sldMkLst>
+        <pc:spChg chg="mod">
+          <ac:chgData name="Ben Jones (Ben Jones)" userId="e6e8a0f3-34fe-4d14-b7ab-3a9f1769fff2" providerId="ADAL" clId="{5E7C3CBE-C13F-479A-83E0-3A9F66E33821}" dt="2025-06-11T11:51:02.847" v="103" actId="20577"/>
+          <ac:spMkLst>
+            <pc:docMk/>
+            <pc:sldMk cId="3935255901" sldId="271"/>
+            <ac:spMk id="2" creationId="{2227B6A9-C82E-2DD9-7DB3-45D6EA88C8A3}"/>
+          </ac:spMkLst>
+        </pc:spChg>
+        <pc:spChg chg="mod">
+          <ac:chgData name="Ben Jones (Ben Jones)" userId="e6e8a0f3-34fe-4d14-b7ab-3a9f1769fff2" providerId="ADAL" clId="{5E7C3CBE-C13F-479A-83E0-3A9F66E33821}" dt="2025-06-11T11:51:37.260" v="112" actId="255"/>
+          <ac:spMkLst>
+            <pc:docMk/>
+            <pc:sldMk cId="3935255901" sldId="271"/>
+            <ac:spMk id="3" creationId="{86FA9FFB-5055-BFCD-164D-DE40409E9218}"/>
+          </ac:spMkLst>
+        </pc:spChg>
+      </pc:sldChg>
+      <pc:sldChg chg="modSp add mod">
+        <pc:chgData name="Ben Jones (Ben Jones)" userId="e6e8a0f3-34fe-4d14-b7ab-3a9f1769fff2" providerId="ADAL" clId="{5E7C3CBE-C13F-479A-83E0-3A9F66E33821}" dt="2025-06-11T11:53:50.557" v="157" actId="313"/>
+        <pc:sldMkLst>
+          <pc:docMk/>
+          <pc:sldMk cId="3954115330" sldId="272"/>
+        </pc:sldMkLst>
+        <pc:spChg chg="mod">
+          <ac:chgData name="Ben Jones (Ben Jones)" userId="e6e8a0f3-34fe-4d14-b7ab-3a9f1769fff2" providerId="ADAL" clId="{5E7C3CBE-C13F-479A-83E0-3A9F66E33821}" dt="2025-06-11T11:53:50.557" v="157" actId="313"/>
+          <ac:spMkLst>
+            <pc:docMk/>
+            <pc:sldMk cId="3954115330" sldId="272"/>
+            <ac:spMk id="2" creationId="{528E37FF-521C-1B29-E323-AC7353AE025D}"/>
+          </ac:spMkLst>
+        </pc:spChg>
+        <pc:spChg chg="mod">
+          <ac:chgData name="Ben Jones (Ben Jones)" userId="e6e8a0f3-34fe-4d14-b7ab-3a9f1769fff2" providerId="ADAL" clId="{5E7C3CBE-C13F-479A-83E0-3A9F66E33821}" dt="2025-06-11T11:53:29.932" v="154" actId="255"/>
+          <ac:spMkLst>
+            <pc:docMk/>
+            <pc:sldMk cId="3954115330" sldId="272"/>
+            <ac:spMk id="3" creationId="{58228046-57AE-2A32-24F6-F698D2B780B5}"/>
+          </ac:spMkLst>
+        </pc:spChg>
+      </pc:sldChg>
+      <pc:sldChg chg="modSp add mod">
+        <pc:chgData name="Ben Jones (Ben Jones)" userId="e6e8a0f3-34fe-4d14-b7ab-3a9f1769fff2" providerId="ADAL" clId="{5E7C3CBE-C13F-479A-83E0-3A9F66E33821}" dt="2025-06-11T11:55:38.398" v="212" actId="255"/>
+        <pc:sldMkLst>
+          <pc:docMk/>
+          <pc:sldMk cId="3561427741" sldId="273"/>
+        </pc:sldMkLst>
+        <pc:spChg chg="mod">
+          <ac:chgData name="Ben Jones (Ben Jones)" userId="e6e8a0f3-34fe-4d14-b7ab-3a9f1769fff2" providerId="ADAL" clId="{5E7C3CBE-C13F-479A-83E0-3A9F66E33821}" dt="2025-06-11T11:54:13.294" v="175" actId="20577"/>
+          <ac:spMkLst>
+            <pc:docMk/>
+            <pc:sldMk cId="3561427741" sldId="273"/>
+            <ac:spMk id="2" creationId="{F42EB0A4-F3A7-981F-DD85-195F162ACF98}"/>
+          </ac:spMkLst>
+        </pc:spChg>
+        <pc:spChg chg="mod">
+          <ac:chgData name="Ben Jones (Ben Jones)" userId="e6e8a0f3-34fe-4d14-b7ab-3a9f1769fff2" providerId="ADAL" clId="{5E7C3CBE-C13F-479A-83E0-3A9F66E33821}" dt="2025-06-11T11:55:38.398" v="212" actId="255"/>
+          <ac:spMkLst>
+            <pc:docMk/>
+            <pc:sldMk cId="3561427741" sldId="273"/>
+            <ac:spMk id="3" creationId="{19927C9F-B595-0DA0-D9E0-072FFA8A4050}"/>
+          </ac:spMkLst>
+        </pc:spChg>
+      </pc:sldChg>
+      <pc:sldChg chg="add">
+        <pc:chgData name="Ben Jones (Ben Jones)" userId="e6e8a0f3-34fe-4d14-b7ab-3a9f1769fff2" providerId="ADAL" clId="{5E7C3CBE-C13F-479A-83E0-3A9F66E33821}" dt="2025-06-11T12:04:38.690" v="435" actId="2890"/>
+        <pc:sldMkLst>
+          <pc:docMk/>
+          <pc:sldMk cId="1196129529" sldId="274"/>
+        </pc:sldMkLst>
       </pc:sldChg>
     </pc:docChg>
   </pc:docChgLst>
@@ -4541,6 +4704,447 @@
 </p:sld>
 </file>
 
+<file path=ppt/slides/slide10.xml><?xml version="1.0" encoding="utf-8"?>
+<p:sld xmlns:a="http://schemas.openxmlformats.org/drawingml/2006/main" xmlns:r="http://schemas.openxmlformats.org/officeDocument/2006/relationships" xmlns:p="http://schemas.openxmlformats.org/presentationml/2006/main">
+  <p:cSld>
+    <p:spTree>
+      <p:nvGrpSpPr>
+        <p:cNvPr id="1" name="">
+          <a:extLst>
+            <a:ext uri="{FF2B5EF4-FFF2-40B4-BE49-F238E27FC236}">
+              <a16:creationId xmlns:a16="http://schemas.microsoft.com/office/drawing/2014/main" id="{6002D2F3-D38F-9C55-2412-8BCAEE272B70}"/>
+            </a:ext>
+          </a:extLst>
+        </p:cNvPr>
+        <p:cNvGrpSpPr/>
+        <p:nvPr/>
+      </p:nvGrpSpPr>
+      <p:grpSpPr>
+        <a:xfrm>
+          <a:off x="0" y="0"/>
+          <a:ext cx="0" cy="0"/>
+          <a:chOff x="0" y="0"/>
+          <a:chExt cx="0" cy="0"/>
+        </a:xfrm>
+      </p:grpSpPr>
+      <p:sp>
+        <p:nvSpPr>
+          <p:cNvPr id="2" name="Title 1">
+            <a:extLst>
+              <a:ext uri="{FF2B5EF4-FFF2-40B4-BE49-F238E27FC236}">
+                <a16:creationId xmlns:a16="http://schemas.microsoft.com/office/drawing/2014/main" id="{F42EB0A4-F3A7-981F-DD85-195F162ACF98}"/>
+              </a:ext>
+            </a:extLst>
+          </p:cNvPr>
+          <p:cNvSpPr>
+            <a:spLocks noGrp="1"/>
+          </p:cNvSpPr>
+          <p:nvPr>
+            <p:ph type="title"/>
+          </p:nvPr>
+        </p:nvSpPr>
+        <p:spPr/>
+        <p:txBody>
+          <a:bodyPr/>
+          <a:lstStyle/>
+          <a:p>
+            <a:r>
+              <a:rPr lang="en-AU" dirty="0" err="1"/>
+              <a:t>Pedestrian_Button</a:t>
+            </a:r>
+            <a:r>
+              <a:rPr lang="en-AU" dirty="0"/>
+              <a:t> Interrupt Callback Method</a:t>
+            </a:r>
+          </a:p>
+        </p:txBody>
+      </p:sp>
+      <p:sp>
+        <p:nvSpPr>
+          <p:cNvPr id="3" name="Content Placeholder 2">
+            <a:extLst>
+              <a:ext uri="{FF2B5EF4-FFF2-40B4-BE49-F238E27FC236}">
+                <a16:creationId xmlns:a16="http://schemas.microsoft.com/office/drawing/2014/main" id="{19927C9F-B595-0DA0-D9E0-072FFA8A4050}"/>
+              </a:ext>
+            </a:extLst>
+          </p:cNvPr>
+          <p:cNvSpPr>
+            <a:spLocks noGrp="1"/>
+          </p:cNvSpPr>
+          <p:nvPr>
+            <p:ph idx="1"/>
+          </p:nvPr>
+        </p:nvSpPr>
+        <p:spPr/>
+        <p:txBody>
+          <a:bodyPr>
+            <a:normAutofit/>
+          </a:bodyPr>
+          <a:lstStyle/>
+          <a:p>
+            <a:pPr marL="0" indent="0">
+              <a:buNone/>
+            </a:pPr>
+            <a:r>
+              <a:rPr lang="en-US" sz="2400" dirty="0">
+                <a:latin typeface="Consolas" panose="020B0609020204030204" pitchFamily="49" charset="0"/>
+              </a:rPr>
+              <a:t>def callback(self, pin):</a:t>
+            </a:r>
+          </a:p>
+          <a:p>
+            <a:pPr marL="457200" lvl="1" indent="0">
+              <a:buNone/>
+            </a:pPr>
+            <a:r>
+              <a:rPr lang="en-US" dirty="0" err="1">
+                <a:latin typeface="Consolas" panose="020B0609020204030204" pitchFamily="49" charset="0"/>
+              </a:rPr>
+              <a:t>current_time</a:t>
+            </a:r>
+            <a:r>
+              <a:rPr lang="en-US" dirty="0">
+                <a:latin typeface="Consolas" panose="020B0609020204030204" pitchFamily="49" charset="0"/>
+              </a:rPr>
+              <a:t> = </a:t>
+            </a:r>
+            <a:r>
+              <a:rPr lang="en-US" dirty="0" err="1">
+                <a:latin typeface="Consolas" panose="020B0609020204030204" pitchFamily="49" charset="0"/>
+              </a:rPr>
+              <a:t>time.ticks_ms</a:t>
+            </a:r>
+            <a:r>
+              <a:rPr lang="en-US" dirty="0">
+                <a:latin typeface="Consolas" panose="020B0609020204030204" pitchFamily="49" charset="0"/>
+              </a:rPr>
+              <a:t>()  # Get the current time in milliseconds</a:t>
+            </a:r>
+          </a:p>
+          <a:p>
+            <a:pPr marL="457200" lvl="1" indent="0">
+              <a:buNone/>
+            </a:pPr>
+            <a:r>
+              <a:rPr lang="en-US" dirty="0">
+                <a:latin typeface="Consolas" panose="020B0609020204030204" pitchFamily="49" charset="0"/>
+              </a:rPr>
+              <a:t>if (</a:t>
+            </a:r>
+            <a:r>
+              <a:rPr lang="en-US" dirty="0" err="1">
+                <a:latin typeface="Consolas" panose="020B0609020204030204" pitchFamily="49" charset="0"/>
+              </a:rPr>
+              <a:t>time.ticks_diff</a:t>
+            </a:r>
+            <a:r>
+              <a:rPr lang="en-US" dirty="0">
+                <a:latin typeface="Consolas" panose="020B0609020204030204" pitchFamily="49" charset="0"/>
+              </a:rPr>
+              <a:t>(</a:t>
+            </a:r>
+            <a:r>
+              <a:rPr lang="en-US" dirty="0" err="1">
+                <a:latin typeface="Consolas" panose="020B0609020204030204" pitchFamily="49" charset="0"/>
+              </a:rPr>
+              <a:t>current_time</a:t>
+            </a:r>
+            <a:r>
+              <a:rPr lang="en-US" dirty="0">
+                <a:latin typeface="Consolas" panose="020B0609020204030204" pitchFamily="49" charset="0"/>
+              </a:rPr>
+              <a:t>, self.__</a:t>
+            </a:r>
+            <a:r>
+              <a:rPr lang="en-US" dirty="0" err="1">
+                <a:latin typeface="Consolas" panose="020B0609020204030204" pitchFamily="49" charset="0"/>
+              </a:rPr>
+              <a:t>last_pressed</a:t>
+            </a:r>
+            <a:r>
+              <a:rPr lang="en-US" dirty="0">
+                <a:latin typeface="Consolas" panose="020B0609020204030204" pitchFamily="49" charset="0"/>
+              </a:rPr>
+              <a:t>) &gt; 200):  # 200ms debounce delay</a:t>
+            </a:r>
+          </a:p>
+          <a:p>
+            <a:pPr marL="914400" lvl="2" indent="0">
+              <a:buNone/>
+            </a:pPr>
+            <a:r>
+              <a:rPr lang="en-US" sz="2400" dirty="0">
+                <a:latin typeface="Consolas" panose="020B0609020204030204" pitchFamily="49" charset="0"/>
+              </a:rPr>
+              <a:t>self.__</a:t>
+            </a:r>
+            <a:r>
+              <a:rPr lang="en-US" sz="2400" dirty="0" err="1">
+                <a:latin typeface="Consolas" panose="020B0609020204030204" pitchFamily="49" charset="0"/>
+              </a:rPr>
+              <a:t>last_pressed</a:t>
+            </a:r>
+            <a:r>
+              <a:rPr lang="en-US" sz="2400" dirty="0">
+                <a:latin typeface="Consolas" panose="020B0609020204030204" pitchFamily="49" charset="0"/>
+              </a:rPr>
+              <a:t> = </a:t>
+            </a:r>
+            <a:r>
+              <a:rPr lang="en-US" sz="2400" dirty="0" err="1">
+                <a:latin typeface="Consolas" panose="020B0609020204030204" pitchFamily="49" charset="0"/>
+              </a:rPr>
+              <a:t>current_time</a:t>
+            </a:r>
+            <a:endParaRPr lang="en-US" sz="2400" dirty="0">
+              <a:latin typeface="Consolas" panose="020B0609020204030204" pitchFamily="49" charset="0"/>
+            </a:endParaRPr>
+          </a:p>
+          <a:p>
+            <a:pPr marL="914400" lvl="2" indent="0">
+              <a:buNone/>
+            </a:pPr>
+            <a:r>
+              <a:rPr lang="en-US" sz="2400" dirty="0">
+                <a:latin typeface="Consolas" panose="020B0609020204030204" pitchFamily="49" charset="0"/>
+              </a:rPr>
+              <a:t>self.__</a:t>
+            </a:r>
+            <a:r>
+              <a:rPr lang="en-US" sz="2400" dirty="0" err="1">
+                <a:latin typeface="Consolas" panose="020B0609020204030204" pitchFamily="49" charset="0"/>
+              </a:rPr>
+              <a:t>pedestrian_waiting</a:t>
+            </a:r>
+            <a:r>
+              <a:rPr lang="en-US" sz="2400" dirty="0">
+                <a:latin typeface="Consolas" panose="020B0609020204030204" pitchFamily="49" charset="0"/>
+              </a:rPr>
+              <a:t> = True</a:t>
+            </a:r>
+          </a:p>
+          <a:p>
+            <a:pPr marL="914400" lvl="2" indent="0">
+              <a:buNone/>
+            </a:pPr>
+            <a:r>
+              <a:rPr lang="en-US" sz="2400" dirty="0">
+                <a:latin typeface="Consolas" panose="020B0609020204030204" pitchFamily="49" charset="0"/>
+              </a:rPr>
+              <a:t>if </a:t>
+            </a:r>
+            <a:r>
+              <a:rPr lang="en-US" sz="2400" dirty="0" err="1">
+                <a:latin typeface="Consolas" panose="020B0609020204030204" pitchFamily="49" charset="0"/>
+              </a:rPr>
+              <a:t>self.__debug</a:t>
+            </a:r>
+            <a:r>
+              <a:rPr lang="en-US" sz="2400" dirty="0">
+                <a:latin typeface="Consolas" panose="020B0609020204030204" pitchFamily="49" charset="0"/>
+              </a:rPr>
+              <a:t>:</a:t>
+            </a:r>
+          </a:p>
+          <a:p>
+            <a:pPr marL="1371600" lvl="3" indent="0">
+              <a:buNone/>
+            </a:pPr>
+            <a:r>
+              <a:rPr lang="en-US" sz="2400" dirty="0">
+                <a:latin typeface="Consolas" panose="020B0609020204030204" pitchFamily="49" charset="0"/>
+              </a:rPr>
+              <a:t>print(</a:t>
+            </a:r>
+            <a:r>
+              <a:rPr lang="en-US" sz="2400" dirty="0" err="1">
+                <a:latin typeface="Consolas" panose="020B0609020204030204" pitchFamily="49" charset="0"/>
+              </a:rPr>
+              <a:t>f"Button</a:t>
+            </a:r>
+            <a:r>
+              <a:rPr lang="en-US" sz="2400" dirty="0">
+                <a:latin typeface="Consolas" panose="020B0609020204030204" pitchFamily="49" charset="0"/>
+              </a:rPr>
+              <a:t> pressed on Pin {</a:t>
+            </a:r>
+            <a:r>
+              <a:rPr lang="en-US" sz="2400" dirty="0" err="1">
+                <a:latin typeface="Consolas" panose="020B0609020204030204" pitchFamily="49" charset="0"/>
+              </a:rPr>
+              <a:t>self.__pin</a:t>
+            </a:r>
+            <a:r>
+              <a:rPr lang="en-US" sz="2400" dirty="0">
+                <a:latin typeface="Consolas" panose="020B0609020204030204" pitchFamily="49" charset="0"/>
+              </a:rPr>
+              <a:t>} at {</a:t>
+            </a:r>
+            <a:r>
+              <a:rPr lang="en-US" sz="2400" dirty="0" err="1">
+                <a:latin typeface="Consolas" panose="020B0609020204030204" pitchFamily="49" charset="0"/>
+              </a:rPr>
+              <a:t>current_time</a:t>
+            </a:r>
+            <a:r>
+              <a:rPr lang="en-US" sz="2400" dirty="0">
+                <a:latin typeface="Consolas" panose="020B0609020204030204" pitchFamily="49" charset="0"/>
+              </a:rPr>
+              <a:t>}</a:t>
+            </a:r>
+            <a:r>
+              <a:rPr lang="en-US" sz="2400" dirty="0" err="1">
+                <a:latin typeface="Consolas" panose="020B0609020204030204" pitchFamily="49" charset="0"/>
+              </a:rPr>
+              <a:t>ms</a:t>
+            </a:r>
+            <a:r>
+              <a:rPr lang="en-US" sz="2400" dirty="0">
+                <a:latin typeface="Consolas" panose="020B0609020204030204" pitchFamily="49" charset="0"/>
+              </a:rPr>
+              <a:t>")</a:t>
+            </a:r>
+          </a:p>
+        </p:txBody>
+      </p:sp>
+    </p:spTree>
+    <p:extLst>
+      <p:ext uri="{BB962C8B-B14F-4D97-AF65-F5344CB8AC3E}">
+        <p14:creationId xmlns:p14="http://schemas.microsoft.com/office/powerpoint/2010/main" val="3561427741"/>
+      </p:ext>
+    </p:extLst>
+  </p:cSld>
+  <p:clrMapOvr>
+    <a:masterClrMapping/>
+  </p:clrMapOvr>
+</p:sld>
+</file>
+
+<file path=ppt/slides/slide11.xml><?xml version="1.0" encoding="utf-8"?>
+<p:sld xmlns:a="http://schemas.openxmlformats.org/drawingml/2006/main" xmlns:r="http://schemas.openxmlformats.org/officeDocument/2006/relationships" xmlns:p="http://schemas.openxmlformats.org/presentationml/2006/main">
+  <p:cSld>
+    <p:spTree>
+      <p:nvGrpSpPr>
+        <p:cNvPr id="1" name=""/>
+        <p:cNvGrpSpPr/>
+        <p:nvPr/>
+      </p:nvGrpSpPr>
+      <p:grpSpPr>
+        <a:xfrm>
+          <a:off x="0" y="0"/>
+          <a:ext cx="0" cy="0"/>
+          <a:chOff x="0" y="0"/>
+          <a:chExt cx="0" cy="0"/>
+        </a:xfrm>
+      </p:grpSpPr>
+      <p:sp>
+        <p:nvSpPr>
+          <p:cNvPr id="7" name="Title 6">
+            <a:extLst>
+              <a:ext uri="{FF2B5EF4-FFF2-40B4-BE49-F238E27FC236}">
+                <a16:creationId xmlns:a16="http://schemas.microsoft.com/office/drawing/2014/main" id="{56C6F239-F5E8-6417-880B-0B56CE59D207}"/>
+              </a:ext>
+            </a:extLst>
+          </p:cNvPr>
+          <p:cNvSpPr>
+            <a:spLocks noGrp="1"/>
+          </p:cNvSpPr>
+          <p:nvPr>
+            <p:ph type="title"/>
+          </p:nvPr>
+        </p:nvSpPr>
+        <p:spPr/>
+        <p:txBody>
+          <a:bodyPr/>
+          <a:lstStyle/>
+          <a:p>
+            <a:r>
+              <a:rPr lang="en-US" dirty="0"/>
+              <a:t>Unit Test the </a:t>
+            </a:r>
+            <a:r>
+              <a:rPr lang="en-US" dirty="0" err="1"/>
+              <a:t>Pedestrian_Button</a:t>
+            </a:r>
+            <a:r>
+              <a:rPr lang="en-US" dirty="0"/>
+              <a:t> class</a:t>
+            </a:r>
+            <a:endParaRPr lang="en-AU" dirty="0"/>
+          </a:p>
+        </p:txBody>
+      </p:sp>
+      <p:sp>
+        <p:nvSpPr>
+          <p:cNvPr id="8" name="Content Placeholder 7">
+            <a:extLst>
+              <a:ext uri="{FF2B5EF4-FFF2-40B4-BE49-F238E27FC236}">
+                <a16:creationId xmlns:a16="http://schemas.microsoft.com/office/drawing/2014/main" id="{A8D1847C-4AD3-1D2C-43B8-828394D9FF0E}"/>
+              </a:ext>
+            </a:extLst>
+          </p:cNvPr>
+          <p:cNvSpPr>
+            <a:spLocks noGrp="1"/>
+          </p:cNvSpPr>
+          <p:nvPr>
+            <p:ph idx="1"/>
+          </p:nvPr>
+        </p:nvSpPr>
+        <p:spPr/>
+        <p:txBody>
+          <a:bodyPr>
+            <a:normAutofit/>
+          </a:bodyPr>
+          <a:lstStyle/>
+          <a:p>
+            <a:pPr marL="0" indent="0">
+              <a:buNone/>
+            </a:pPr>
+            <a:r>
+              <a:rPr lang="en-AU" dirty="0"/>
+              <a:t>Your unit test should test all methods, where possible, because it involves a physical button you should design a </a:t>
+            </a:r>
+            <a:r>
+              <a:rPr lang="en-AU"/>
+              <a:t>manual test.</a:t>
+            </a:r>
+          </a:p>
+          <a:p>
+            <a:pPr marL="0" indent="0">
+              <a:buNone/>
+            </a:pPr>
+            <a:endParaRPr lang="en-AU" dirty="0"/>
+          </a:p>
+          <a:p>
+            <a:pPr marL="0" indent="0">
+              <a:buNone/>
+            </a:pPr>
+            <a:r>
+              <a:rPr lang="en-AU" dirty="0"/>
+              <a:t>Pause the video, design your unit test, then check your unit tests against my suggested batch of unit tests.</a:t>
+            </a:r>
+          </a:p>
+          <a:p>
+            <a:pPr marL="0" indent="0">
+              <a:buNone/>
+            </a:pPr>
+            <a:endParaRPr lang="en-AU" b="1" dirty="0"/>
+          </a:p>
+        </p:txBody>
+      </p:sp>
+    </p:spTree>
+    <p:extLst>
+      <p:ext uri="{BB962C8B-B14F-4D97-AF65-F5344CB8AC3E}">
+        <p14:creationId xmlns:p14="http://schemas.microsoft.com/office/powerpoint/2010/main" val="1175822862"/>
+      </p:ext>
+    </p:extLst>
+  </p:cSld>
+  <p:clrMapOvr>
+    <a:masterClrMapping/>
+  </p:clrMapOvr>
+</p:sld>
+</file>
+
 <file path=ppt/slides/slide2.xml><?xml version="1.0" encoding="utf-8"?>
 <p:sld xmlns:a="http://schemas.openxmlformats.org/drawingml/2006/main" xmlns:r="http://schemas.openxmlformats.org/officeDocument/2006/relationships" xmlns:p="http://schemas.openxmlformats.org/presentationml/2006/main">
   <p:cSld>
@@ -4930,18 +5534,19 @@
           <a:p>
             <a:r>
               <a:rPr lang="en-US" dirty="0"/>
-              <a:t>Implement and Unit Test advanced </a:t>
-            </a:r>
-            <a:r>
-              <a:rPr lang="en-US"/>
-              <a:t>button class</a:t>
-            </a:r>
-            <a:endParaRPr lang="en-US" dirty="0"/>
+              <a:t>Implement a basic button class</a:t>
+            </a:r>
           </a:p>
           <a:p>
             <a:r>
               <a:rPr lang="en-US" dirty="0"/>
-              <a:t>Implement and Unit Test audio notification class</a:t>
+              <a:t>Create an interrupt and debounce the button</a:t>
+            </a:r>
+          </a:p>
+          <a:p>
+            <a:r>
+              <a:rPr lang="en-US" dirty="0"/>
+              <a:t>Unit test the pedestrian button</a:t>
             </a:r>
           </a:p>
         </p:txBody>
@@ -4981,7 +5586,7 @@
           <p:cNvPr id="7" name="Title 6">
             <a:extLst>
               <a:ext uri="{FF2B5EF4-FFF2-40B4-BE49-F238E27FC236}">
-                <a16:creationId xmlns:a16="http://schemas.microsoft.com/office/drawing/2014/main" id="{56C6F239-F5E8-6417-880B-0B56CE59D207}"/>
+                <a16:creationId xmlns:a16="http://schemas.microsoft.com/office/drawing/2014/main" id="{A5E19FFB-3D8F-DB03-B38B-27FE43EC06C8}"/>
               </a:ext>
             </a:extLst>
           </p:cNvPr>
@@ -4999,15 +5604,7 @@
           <a:p>
             <a:r>
               <a:rPr lang="en-US" dirty="0"/>
-              <a:t>Complete &amp; Unit Test the </a:t>
-            </a:r>
-            <a:r>
-              <a:rPr lang="en-US" dirty="0" err="1"/>
-              <a:t>Pedestrian_Button</a:t>
-            </a:r>
-            <a:r>
-              <a:rPr lang="en-US" dirty="0"/>
-              <a:t> class</a:t>
+              <a:t>Create new files</a:t>
             </a:r>
             <a:endParaRPr lang="en-AU" dirty="0"/>
           </a:p>
@@ -5015,18 +5612,18 @@
       </p:sp>
       <p:sp>
         <p:nvSpPr>
-          <p:cNvPr id="8" name="Content Placeholder 7">
-            <a:extLst>
-              <a:ext uri="{FF2B5EF4-FFF2-40B4-BE49-F238E27FC236}">
-                <a16:creationId xmlns:a16="http://schemas.microsoft.com/office/drawing/2014/main" id="{A8D1847C-4AD3-1D2C-43B8-828394D9FF0E}"/>
-              </a:ext>
-            </a:extLst>
-          </p:cNvPr>
-          <p:cNvSpPr>
-            <a:spLocks noGrp="1"/>
-          </p:cNvSpPr>
-          <p:nvPr>
-            <p:ph idx="1"/>
+          <p:cNvPr id="10" name="Text Placeholder 9">
+            <a:extLst>
+              <a:ext uri="{FF2B5EF4-FFF2-40B4-BE49-F238E27FC236}">
+                <a16:creationId xmlns:a16="http://schemas.microsoft.com/office/drawing/2014/main" id="{400FA594-97CE-8BD3-D0B0-58075BCDEA2F}"/>
+              </a:ext>
+            </a:extLst>
+          </p:cNvPr>
+          <p:cNvSpPr>
+            <a:spLocks noGrp="1"/>
+          </p:cNvSpPr>
+          <p:nvPr>
+            <p:ph type="body" sz="half" idx="2"/>
           </p:nvPr>
         </p:nvSpPr>
         <p:spPr/>
@@ -5036,38 +5633,70 @@
           </a:bodyPr>
           <a:lstStyle/>
           <a:p>
-            <a:pPr marL="0" indent="0">
-              <a:buNone/>
-            </a:pPr>
-            <a:r>
-              <a:rPr lang="en-AU" dirty="0">
-                <a:hlinkClick r:id="rId2"/>
-              </a:rPr>
-              <a:t>https://github.com/TempeHS/MicroPython_OOP_Pi_Pico_Mini_Project_Source/blob/main/tutorials/Lecture4.md#advanced-button-with-debouncing-and-interrupt</a:t>
-            </a:r>
-            <a:endParaRPr lang="en-AU" dirty="0"/>
-          </a:p>
-          <a:p>
-            <a:pPr marL="0" indent="0">
-              <a:buNone/>
-            </a:pPr>
-            <a:endParaRPr lang="en-AU" dirty="0"/>
-          </a:p>
-          <a:p>
-            <a:pPr marL="0" indent="0">
-              <a:buNone/>
-            </a:pPr>
-            <a:r>
-              <a:rPr lang="en-AU" b="1" dirty="0"/>
-              <a:t>Run v13.py</a:t>
-            </a:r>
-          </a:p>
-        </p:txBody>
-      </p:sp>
+            <a:r>
+              <a:rPr lang="en-US" dirty="0"/>
+              <a:t>v05.py in project\</a:t>
+            </a:r>
+            <a:r>
+              <a:rPr lang="en-US" dirty="0" err="1"/>
+              <a:t>py_scripts</a:t>
+            </a:r>
+            <a:r>
+              <a:rPr lang="en-US" dirty="0"/>
+              <a:t>\</a:t>
+            </a:r>
+          </a:p>
+          <a:p>
+            <a:r>
+              <a:rPr lang="en-US"/>
+              <a:t>pedestrian</a:t>
+            </a:r>
+            <a:r>
+              <a:rPr lang="en-US" dirty="0"/>
+              <a:t>_button.py in project\lib\</a:t>
+            </a:r>
+          </a:p>
+        </p:txBody>
+      </p:sp>
+      <p:pic>
+        <p:nvPicPr>
+          <p:cNvPr id="3" name="Picture 2">
+            <a:extLst>
+              <a:ext uri="{FF2B5EF4-FFF2-40B4-BE49-F238E27FC236}">
+                <a16:creationId xmlns:a16="http://schemas.microsoft.com/office/drawing/2014/main" id="{0A4946D7-D489-5D8A-F199-89C94DED1838}"/>
+              </a:ext>
+            </a:extLst>
+          </p:cNvPr>
+          <p:cNvPicPr>
+            <a:picLocks noChangeAspect="1"/>
+          </p:cNvPicPr>
+          <p:nvPr/>
+        </p:nvPicPr>
+        <p:blipFill>
+          <a:blip r:embed="rId2">
+            <a:extLst>
+              <a:ext uri="{28A0092B-C50C-407E-A947-70E740481C1C}">
+                <a14:useLocalDpi xmlns:a14="http://schemas.microsoft.com/office/drawing/2010/main" val="0"/>
+              </a:ext>
+            </a:extLst>
+          </a:blip>
+          <a:srcRect/>
+          <a:stretch/>
+        </p:blipFill>
+        <p:spPr>
+          <a:xfrm>
+            <a:off x="6069418" y="783235"/>
+            <a:ext cx="4974783" cy="5291530"/>
+          </a:xfrm>
+          <a:prstGeom prst="rect">
+            <a:avLst/>
+          </a:prstGeom>
+        </p:spPr>
+      </p:pic>
     </p:spTree>
     <p:extLst>
       <p:ext uri="{BB962C8B-B14F-4D97-AF65-F5344CB8AC3E}">
-        <p14:creationId xmlns:p14="http://schemas.microsoft.com/office/powerpoint/2010/main" val="1175822862"/>
+        <p14:creationId xmlns:p14="http://schemas.microsoft.com/office/powerpoint/2010/main" val="549990195"/>
       </p:ext>
     </p:extLst>
   </p:cSld>
@@ -5099,7 +5728,7 @@
           <p:cNvPr id="2" name="Title 1">
             <a:extLst>
               <a:ext uri="{FF2B5EF4-FFF2-40B4-BE49-F238E27FC236}">
-                <a16:creationId xmlns:a16="http://schemas.microsoft.com/office/drawing/2014/main" id="{4E39B84F-40E2-A933-0A0B-26AE4074B21B}"/>
+                <a16:creationId xmlns:a16="http://schemas.microsoft.com/office/drawing/2014/main" id="{1014C040-0011-B132-BBB4-963A422BA42C}"/>
               </a:ext>
             </a:extLst>
           </p:cNvPr>
@@ -5116,18 +5745,13 @@
           <a:lstStyle/>
           <a:p>
             <a:r>
-              <a:rPr lang="en-US"/>
-              <a:t>Complete &amp; Unit Test the </a:t>
-            </a:r>
-            <a:r>
-              <a:rPr lang="en-US" dirty="0" err="1"/>
-              <a:t>Audio_Notification</a:t>
-            </a:r>
-            <a:r>
-              <a:rPr lang="en-US" dirty="0"/>
-              <a:t> class</a:t>
-            </a:r>
-            <a:endParaRPr lang="en-AU" dirty="0"/>
+              <a:rPr lang="en-AU" dirty="0" err="1"/>
+              <a:t>Pedestrian_Button</a:t>
+            </a:r>
+            <a:r>
+              <a:rPr lang="en-AU" dirty="0"/>
+              <a:t> Imports</a:t>
+            </a:r>
           </a:p>
         </p:txBody>
       </p:sp>
@@ -5136,7 +5760,7 @@
           <p:cNvPr id="3" name="Content Placeholder 2">
             <a:extLst>
               <a:ext uri="{FF2B5EF4-FFF2-40B4-BE49-F238E27FC236}">
-                <a16:creationId xmlns:a16="http://schemas.microsoft.com/office/drawing/2014/main" id="{55D2AEAE-B87B-B831-1DC0-2D5719D54B21}"/>
+                <a16:creationId xmlns:a16="http://schemas.microsoft.com/office/drawing/2014/main" id="{10BF6715-B6F1-BE80-23EB-752BDCA181D5}"/>
               </a:ext>
             </a:extLst>
           </p:cNvPr>
@@ -5149,41 +5773,1107 @@
         </p:nvSpPr>
         <p:spPr/>
         <p:txBody>
-          <a:bodyPr/>
+          <a:bodyPr>
+            <a:normAutofit/>
+          </a:bodyPr>
           <a:lstStyle/>
           <a:p>
             <a:pPr marL="0" indent="0">
               <a:buNone/>
             </a:pPr>
             <a:r>
-              <a:rPr lang="en-AU" dirty="0">
-                <a:hlinkClick r:id="rId2"/>
-              </a:rPr>
-              <a:t>https://github.com/TempeHS/MicroPython_OOP_Pi_Pico_Mini_Project_Source/blob/main/tutorials/Lecture4.md#audio-notification</a:t>
-            </a:r>
-            <a:endParaRPr lang="en-AU" dirty="0"/>
+              <a:rPr lang="en-US" sz="2400" dirty="0">
+                <a:latin typeface="Consolas" panose="020B0609020204030204" pitchFamily="49" charset="0"/>
+                <a:ea typeface="Cascadia Mono SemiLight" panose="020B0609020000020004" pitchFamily="49" charset="0"/>
+                <a:cs typeface="Cascadia Mono SemiLight" panose="020B0609020000020004" pitchFamily="49" charset="0"/>
+              </a:rPr>
+              <a:t>from machine import Pin</a:t>
+            </a:r>
           </a:p>
           <a:p>
             <a:pPr marL="0" indent="0">
               <a:buNone/>
             </a:pPr>
-            <a:endParaRPr lang="en-AU" dirty="0"/>
-          </a:p>
-          <a:p>
-            <a:pPr marL="0" indent="0">
-              <a:buNone/>
-            </a:pPr>
-            <a:r>
-              <a:rPr lang="en-AU" b="1" dirty="0"/>
-              <a:t>Run: v14.py</a:t>
-            </a:r>
+            <a:r>
+              <a:rPr lang="en-US" sz="2400">
+                <a:latin typeface="Consolas" panose="020B0609020204030204" pitchFamily="49" charset="0"/>
+                <a:ea typeface="Cascadia Mono SemiLight" panose="020B0609020000020004" pitchFamily="49" charset="0"/>
+                <a:cs typeface="Cascadia Mono SemiLight" panose="020B0609020000020004" pitchFamily="49" charset="0"/>
+              </a:rPr>
+              <a:t>import time</a:t>
+            </a:r>
+            <a:endParaRPr lang="en-AU" sz="2400" dirty="0">
+              <a:latin typeface="Consolas" panose="020B0609020204030204" pitchFamily="49" charset="0"/>
+              <a:ea typeface="Cascadia Mono SemiLight" panose="020B0609020000020004" pitchFamily="49" charset="0"/>
+              <a:cs typeface="Cascadia Mono SemiLight" panose="020B0609020000020004" pitchFamily="49" charset="0"/>
+            </a:endParaRPr>
           </a:p>
         </p:txBody>
       </p:sp>
     </p:spTree>
     <p:extLst>
       <p:ext uri="{BB962C8B-B14F-4D97-AF65-F5344CB8AC3E}">
-        <p14:creationId xmlns:p14="http://schemas.microsoft.com/office/powerpoint/2010/main" val="525501252"/>
+        <p14:creationId xmlns:p14="http://schemas.microsoft.com/office/powerpoint/2010/main" val="4286823996"/>
+      </p:ext>
+    </p:extLst>
+  </p:cSld>
+  <p:clrMapOvr>
+    <a:masterClrMapping/>
+  </p:clrMapOvr>
+</p:sld>
+</file>
+
+<file path=ppt/slides/slide6.xml><?xml version="1.0" encoding="utf-8"?>
+<p:sld xmlns:a="http://schemas.openxmlformats.org/drawingml/2006/main" xmlns:r="http://schemas.openxmlformats.org/officeDocument/2006/relationships" xmlns:p="http://schemas.openxmlformats.org/presentationml/2006/main">
+  <p:cSld>
+    <p:spTree>
+      <p:nvGrpSpPr>
+        <p:cNvPr id="1" name="">
+          <a:extLst>
+            <a:ext uri="{FF2B5EF4-FFF2-40B4-BE49-F238E27FC236}">
+              <a16:creationId xmlns:a16="http://schemas.microsoft.com/office/drawing/2014/main" id="{213D23FF-5B07-7487-361B-81DEF1E7F00B}"/>
+            </a:ext>
+          </a:extLst>
+        </p:cNvPr>
+        <p:cNvGrpSpPr/>
+        <p:nvPr/>
+      </p:nvGrpSpPr>
+      <p:grpSpPr>
+        <a:xfrm>
+          <a:off x="0" y="0"/>
+          <a:ext cx="0" cy="0"/>
+          <a:chOff x="0" y="0"/>
+          <a:chExt cx="0" cy="0"/>
+        </a:xfrm>
+      </p:grpSpPr>
+      <p:sp>
+        <p:nvSpPr>
+          <p:cNvPr id="2" name="Title 1">
+            <a:extLst>
+              <a:ext uri="{FF2B5EF4-FFF2-40B4-BE49-F238E27FC236}">
+                <a16:creationId xmlns:a16="http://schemas.microsoft.com/office/drawing/2014/main" id="{2FD74C20-41B1-1779-C7E1-743DB0FDE34C}"/>
+              </a:ext>
+            </a:extLst>
+          </p:cNvPr>
+          <p:cNvSpPr>
+            <a:spLocks noGrp="1"/>
+          </p:cNvSpPr>
+          <p:nvPr>
+            <p:ph type="title"/>
+          </p:nvPr>
+        </p:nvSpPr>
+        <p:spPr/>
+        <p:txBody>
+          <a:bodyPr/>
+          <a:lstStyle/>
+          <a:p>
+            <a:r>
+              <a:rPr lang="en-AU" dirty="0" err="1"/>
+              <a:t>Pedestrian_Button</a:t>
+            </a:r>
+            <a:r>
+              <a:rPr lang="en-AU" dirty="0"/>
+              <a:t> Class Attributes</a:t>
+            </a:r>
+          </a:p>
+        </p:txBody>
+      </p:sp>
+      <p:sp>
+        <p:nvSpPr>
+          <p:cNvPr id="3" name="Content Placeholder 2">
+            <a:extLst>
+              <a:ext uri="{FF2B5EF4-FFF2-40B4-BE49-F238E27FC236}">
+                <a16:creationId xmlns:a16="http://schemas.microsoft.com/office/drawing/2014/main" id="{F17B0C28-707C-22FC-8646-0D0488285642}"/>
+              </a:ext>
+            </a:extLst>
+          </p:cNvPr>
+          <p:cNvSpPr>
+            <a:spLocks noGrp="1"/>
+          </p:cNvSpPr>
+          <p:nvPr>
+            <p:ph idx="1"/>
+          </p:nvPr>
+        </p:nvSpPr>
+        <p:spPr/>
+        <p:txBody>
+          <a:bodyPr>
+            <a:normAutofit/>
+          </a:bodyPr>
+          <a:lstStyle/>
+          <a:p>
+            <a:pPr marL="0" indent="0">
+              <a:buNone/>
+            </a:pPr>
+            <a:r>
+              <a:rPr lang="en-AU" sz="2400" dirty="0">
+                <a:latin typeface="Consolas" panose="020B0609020204030204" pitchFamily="49" charset="0"/>
+                <a:ea typeface="Cascadia Mono SemiLight" panose="020B0609020000020004" pitchFamily="49" charset="0"/>
+                <a:cs typeface="Cascadia Mono SemiLight" panose="020B0609020000020004" pitchFamily="49" charset="0"/>
+              </a:rPr>
+              <a:t>class </a:t>
+            </a:r>
+            <a:r>
+              <a:rPr lang="en-AU" sz="2400" dirty="0" err="1">
+                <a:latin typeface="Consolas" panose="020B0609020204030204" pitchFamily="49" charset="0"/>
+                <a:ea typeface="Cascadia Mono SemiLight" panose="020B0609020000020004" pitchFamily="49" charset="0"/>
+                <a:cs typeface="Cascadia Mono SemiLight" panose="020B0609020000020004" pitchFamily="49" charset="0"/>
+              </a:rPr>
+              <a:t>Pedestrian_Button</a:t>
+            </a:r>
+            <a:r>
+              <a:rPr lang="en-AU" sz="2400" dirty="0">
+                <a:latin typeface="Consolas" panose="020B0609020204030204" pitchFamily="49" charset="0"/>
+                <a:ea typeface="Cascadia Mono SemiLight" panose="020B0609020000020004" pitchFamily="49" charset="0"/>
+                <a:cs typeface="Cascadia Mono SemiLight" panose="020B0609020000020004" pitchFamily="49" charset="0"/>
+              </a:rPr>
+              <a:t>(Pin):</a:t>
+            </a:r>
+          </a:p>
+          <a:p>
+            <a:pPr marL="0" indent="0">
+              <a:buNone/>
+            </a:pPr>
+            <a:r>
+              <a:rPr lang="en-AU" sz="2400" dirty="0">
+                <a:latin typeface="Consolas" panose="020B0609020204030204" pitchFamily="49" charset="0"/>
+                <a:ea typeface="Cascadia Mono SemiLight" panose="020B0609020000020004" pitchFamily="49" charset="0"/>
+                <a:cs typeface="Cascadia Mono SemiLight" panose="020B0609020000020004" pitchFamily="49" charset="0"/>
+              </a:rPr>
+              <a:t># child class inherits the parent 'Pin' class</a:t>
+            </a:r>
+          </a:p>
+          <a:p>
+            <a:pPr marL="457200" lvl="1" indent="0">
+              <a:buNone/>
+            </a:pPr>
+            <a:r>
+              <a:rPr lang="en-AU" dirty="0">
+                <a:latin typeface="Consolas" panose="020B0609020204030204" pitchFamily="49" charset="0"/>
+                <a:ea typeface="Cascadia Mono SemiLight" panose="020B0609020000020004" pitchFamily="49" charset="0"/>
+                <a:cs typeface="Cascadia Mono SemiLight" panose="020B0609020000020004" pitchFamily="49" charset="0"/>
+              </a:rPr>
+              <a:t>def __</a:t>
+            </a:r>
+            <a:r>
+              <a:rPr lang="en-AU" dirty="0" err="1">
+                <a:latin typeface="Consolas" panose="020B0609020204030204" pitchFamily="49" charset="0"/>
+                <a:ea typeface="Cascadia Mono SemiLight" panose="020B0609020000020004" pitchFamily="49" charset="0"/>
+                <a:cs typeface="Cascadia Mono SemiLight" panose="020B0609020000020004" pitchFamily="49" charset="0"/>
+              </a:rPr>
+              <a:t>init</a:t>
+            </a:r>
+            <a:r>
+              <a:rPr lang="en-AU" dirty="0">
+                <a:latin typeface="Consolas" panose="020B0609020204030204" pitchFamily="49" charset="0"/>
+                <a:ea typeface="Cascadia Mono SemiLight" panose="020B0609020000020004" pitchFamily="49" charset="0"/>
+                <a:cs typeface="Cascadia Mono SemiLight" panose="020B0609020000020004" pitchFamily="49" charset="0"/>
+              </a:rPr>
+              <a:t>__(self, pin, debug):</a:t>
+            </a:r>
+          </a:p>
+          <a:p>
+            <a:pPr marL="914400" lvl="2" indent="0">
+              <a:buNone/>
+            </a:pPr>
+            <a:r>
+              <a:rPr lang="en-AU" sz="2400" dirty="0">
+                <a:latin typeface="Consolas" panose="020B0609020204030204" pitchFamily="49" charset="0"/>
+                <a:ea typeface="Cascadia Mono SemiLight" panose="020B0609020000020004" pitchFamily="49" charset="0"/>
+                <a:cs typeface="Cascadia Mono SemiLight" panose="020B0609020000020004" pitchFamily="49" charset="0"/>
+              </a:rPr>
+              <a:t>super().__</a:t>
+            </a:r>
+            <a:r>
+              <a:rPr lang="en-AU" sz="2400" dirty="0" err="1">
+                <a:latin typeface="Consolas" panose="020B0609020204030204" pitchFamily="49" charset="0"/>
+                <a:ea typeface="Cascadia Mono SemiLight" panose="020B0609020000020004" pitchFamily="49" charset="0"/>
+                <a:cs typeface="Cascadia Mono SemiLight" panose="020B0609020000020004" pitchFamily="49" charset="0"/>
+              </a:rPr>
+              <a:t>init</a:t>
+            </a:r>
+            <a:r>
+              <a:rPr lang="en-AU" sz="2400" dirty="0">
+                <a:latin typeface="Consolas" panose="020B0609020204030204" pitchFamily="49" charset="0"/>
+                <a:ea typeface="Cascadia Mono SemiLight" panose="020B0609020000020004" pitchFamily="49" charset="0"/>
+                <a:cs typeface="Cascadia Mono SemiLight" panose="020B0609020000020004" pitchFamily="49" charset="0"/>
+              </a:rPr>
+              <a:t>__(pin, Pin.IN, </a:t>
+            </a:r>
+            <a:r>
+              <a:rPr lang="en-AU" sz="2400" dirty="0" err="1">
+                <a:latin typeface="Consolas" panose="020B0609020204030204" pitchFamily="49" charset="0"/>
+                <a:ea typeface="Cascadia Mono SemiLight" panose="020B0609020000020004" pitchFamily="49" charset="0"/>
+                <a:cs typeface="Cascadia Mono SemiLight" panose="020B0609020000020004" pitchFamily="49" charset="0"/>
+              </a:rPr>
+              <a:t>Pin.PULL_DOWN</a:t>
+            </a:r>
+            <a:r>
+              <a:rPr lang="en-AU" sz="2400" dirty="0">
+                <a:latin typeface="Consolas" panose="020B0609020204030204" pitchFamily="49" charset="0"/>
+                <a:ea typeface="Cascadia Mono SemiLight" panose="020B0609020000020004" pitchFamily="49" charset="0"/>
+                <a:cs typeface="Cascadia Mono SemiLight" panose="020B0609020000020004" pitchFamily="49" charset="0"/>
+              </a:rPr>
+              <a:t>)</a:t>
+            </a:r>
+          </a:p>
+          <a:p>
+            <a:pPr marL="914400" lvl="2" indent="0">
+              <a:buNone/>
+            </a:pPr>
+            <a:r>
+              <a:rPr lang="en-AU" sz="2400" dirty="0" err="1">
+                <a:latin typeface="Consolas" panose="020B0609020204030204" pitchFamily="49" charset="0"/>
+                <a:ea typeface="Cascadia Mono SemiLight" panose="020B0609020000020004" pitchFamily="49" charset="0"/>
+                <a:cs typeface="Cascadia Mono SemiLight" panose="020B0609020000020004" pitchFamily="49" charset="0"/>
+              </a:rPr>
+              <a:t>self.__debug</a:t>
+            </a:r>
+            <a:r>
+              <a:rPr lang="en-AU" sz="2400" dirty="0">
+                <a:latin typeface="Consolas" panose="020B0609020204030204" pitchFamily="49" charset="0"/>
+                <a:ea typeface="Cascadia Mono SemiLight" panose="020B0609020000020004" pitchFamily="49" charset="0"/>
+                <a:cs typeface="Cascadia Mono SemiLight" panose="020B0609020000020004" pitchFamily="49" charset="0"/>
+              </a:rPr>
+              <a:t> = debug</a:t>
+            </a:r>
+          </a:p>
+          <a:p>
+            <a:pPr marL="914400" lvl="2" indent="0">
+              <a:buNone/>
+            </a:pPr>
+            <a:r>
+              <a:rPr lang="en-AU" sz="2400" dirty="0" err="1">
+                <a:latin typeface="Consolas" panose="020B0609020204030204" pitchFamily="49" charset="0"/>
+                <a:ea typeface="Cascadia Mono SemiLight" panose="020B0609020000020004" pitchFamily="49" charset="0"/>
+                <a:cs typeface="Cascadia Mono SemiLight" panose="020B0609020000020004" pitchFamily="49" charset="0"/>
+              </a:rPr>
+              <a:t>self.__pin</a:t>
+            </a:r>
+            <a:r>
+              <a:rPr lang="en-AU" sz="2400" dirty="0">
+                <a:latin typeface="Consolas" panose="020B0609020204030204" pitchFamily="49" charset="0"/>
+                <a:ea typeface="Cascadia Mono SemiLight" panose="020B0609020000020004" pitchFamily="49" charset="0"/>
+                <a:cs typeface="Cascadia Mono SemiLight" panose="020B0609020000020004" pitchFamily="49" charset="0"/>
+              </a:rPr>
+              <a:t> = pin</a:t>
+            </a:r>
+          </a:p>
+          <a:p>
+            <a:pPr marL="914400" lvl="2" indent="0">
+              <a:buNone/>
+            </a:pPr>
+            <a:r>
+              <a:rPr lang="en-AU" sz="2400" dirty="0">
+                <a:latin typeface="Consolas" panose="020B0609020204030204" pitchFamily="49" charset="0"/>
+                <a:ea typeface="Cascadia Mono SemiLight" panose="020B0609020000020004" pitchFamily="49" charset="0"/>
+                <a:cs typeface="Cascadia Mono SemiLight" panose="020B0609020000020004" pitchFamily="49" charset="0"/>
+              </a:rPr>
+              <a:t>self.__</a:t>
+            </a:r>
+            <a:r>
+              <a:rPr lang="en-AU" sz="2400" dirty="0" err="1">
+                <a:latin typeface="Consolas" panose="020B0609020204030204" pitchFamily="49" charset="0"/>
+                <a:ea typeface="Cascadia Mono SemiLight" panose="020B0609020000020004" pitchFamily="49" charset="0"/>
+                <a:cs typeface="Cascadia Mono SemiLight" panose="020B0609020000020004" pitchFamily="49" charset="0"/>
+              </a:rPr>
+              <a:t>last_pressed</a:t>
+            </a:r>
+            <a:r>
+              <a:rPr lang="en-AU" sz="2400" dirty="0">
+                <a:latin typeface="Consolas" panose="020B0609020204030204" pitchFamily="49" charset="0"/>
+                <a:ea typeface="Cascadia Mono SemiLight" panose="020B0609020000020004" pitchFamily="49" charset="0"/>
+                <a:cs typeface="Cascadia Mono SemiLight" panose="020B0609020000020004" pitchFamily="49" charset="0"/>
+              </a:rPr>
+              <a:t> = 0  # Track the last time the button was pressed</a:t>
+            </a:r>
+          </a:p>
+          <a:p>
+            <a:pPr marL="914400" lvl="2" indent="0">
+              <a:buNone/>
+            </a:pPr>
+            <a:r>
+              <a:rPr lang="en-AU" sz="2400" dirty="0">
+                <a:latin typeface="Consolas" panose="020B0609020204030204" pitchFamily="49" charset="0"/>
+                <a:ea typeface="Cascadia Mono SemiLight" panose="020B0609020000020004" pitchFamily="49" charset="0"/>
+                <a:cs typeface="Cascadia Mono SemiLight" panose="020B0609020000020004" pitchFamily="49" charset="0"/>
+              </a:rPr>
+              <a:t>self.__</a:t>
+            </a:r>
+            <a:r>
+              <a:rPr lang="en-AU" sz="2400" dirty="0" err="1">
+                <a:latin typeface="Consolas" panose="020B0609020204030204" pitchFamily="49" charset="0"/>
+                <a:ea typeface="Cascadia Mono SemiLight" panose="020B0609020000020004" pitchFamily="49" charset="0"/>
+                <a:cs typeface="Cascadia Mono SemiLight" panose="020B0609020000020004" pitchFamily="49" charset="0"/>
+              </a:rPr>
+              <a:t>pedestrian_waiting</a:t>
+            </a:r>
+            <a:r>
+              <a:rPr lang="en-AU" sz="2400" dirty="0">
+                <a:latin typeface="Consolas" panose="020B0609020204030204" pitchFamily="49" charset="0"/>
+                <a:ea typeface="Cascadia Mono SemiLight" panose="020B0609020000020004" pitchFamily="49" charset="0"/>
+                <a:cs typeface="Cascadia Mono SemiLight" panose="020B0609020000020004" pitchFamily="49" charset="0"/>
+              </a:rPr>
+              <a:t> = False</a:t>
+            </a:r>
+          </a:p>
+          <a:p>
+            <a:pPr marL="914400" lvl="2" indent="0">
+              <a:buNone/>
+            </a:pPr>
+            <a:r>
+              <a:rPr lang="en-AU" sz="2400" dirty="0" err="1">
+                <a:latin typeface="Consolas" panose="020B0609020204030204" pitchFamily="49" charset="0"/>
+                <a:ea typeface="Cascadia Mono SemiLight" panose="020B0609020000020004" pitchFamily="49" charset="0"/>
+                <a:cs typeface="Cascadia Mono SemiLight" panose="020B0609020000020004" pitchFamily="49" charset="0"/>
+              </a:rPr>
+              <a:t>self.button_state</a:t>
+            </a:r>
+            <a:endParaRPr lang="en-AU" sz="2400" dirty="0">
+              <a:latin typeface="Consolas" panose="020B0609020204030204" pitchFamily="49" charset="0"/>
+              <a:ea typeface="Cascadia Mono SemiLight" panose="020B0609020000020004" pitchFamily="49" charset="0"/>
+              <a:cs typeface="Cascadia Mono SemiLight" panose="020B0609020000020004" pitchFamily="49" charset="0"/>
+            </a:endParaRPr>
+          </a:p>
+        </p:txBody>
+      </p:sp>
+    </p:spTree>
+    <p:extLst>
+      <p:ext uri="{BB962C8B-B14F-4D97-AF65-F5344CB8AC3E}">
+        <p14:creationId xmlns:p14="http://schemas.microsoft.com/office/powerpoint/2010/main" val="1196129529"/>
+      </p:ext>
+    </p:extLst>
+  </p:cSld>
+  <p:clrMapOvr>
+    <a:masterClrMapping/>
+  </p:clrMapOvr>
+</p:sld>
+</file>
+
+<file path=ppt/slides/slide7.xml><?xml version="1.0" encoding="utf-8"?>
+<p:sld xmlns:a="http://schemas.openxmlformats.org/drawingml/2006/main" xmlns:r="http://schemas.openxmlformats.org/officeDocument/2006/relationships" xmlns:p="http://schemas.openxmlformats.org/presentationml/2006/main">
+  <p:cSld>
+    <p:spTree>
+      <p:nvGrpSpPr>
+        <p:cNvPr id="1" name="">
+          <a:extLst>
+            <a:ext uri="{FF2B5EF4-FFF2-40B4-BE49-F238E27FC236}">
+              <a16:creationId xmlns:a16="http://schemas.microsoft.com/office/drawing/2014/main" id="{D67CA580-6DB2-1C92-7C3E-A0CB992EA556}"/>
+            </a:ext>
+          </a:extLst>
+        </p:cNvPr>
+        <p:cNvGrpSpPr/>
+        <p:nvPr/>
+      </p:nvGrpSpPr>
+      <p:grpSpPr>
+        <a:xfrm>
+          <a:off x="0" y="0"/>
+          <a:ext cx="0" cy="0"/>
+          <a:chOff x="0" y="0"/>
+          <a:chExt cx="0" cy="0"/>
+        </a:xfrm>
+      </p:grpSpPr>
+      <p:sp>
+        <p:nvSpPr>
+          <p:cNvPr id="2" name="Title 1">
+            <a:extLst>
+              <a:ext uri="{FF2B5EF4-FFF2-40B4-BE49-F238E27FC236}">
+                <a16:creationId xmlns:a16="http://schemas.microsoft.com/office/drawing/2014/main" id="{DB5534D5-B2A0-9E61-585C-4CC06EA10EEB}"/>
+              </a:ext>
+            </a:extLst>
+          </p:cNvPr>
+          <p:cNvSpPr>
+            <a:spLocks noGrp="1"/>
+          </p:cNvSpPr>
+          <p:nvPr>
+            <p:ph type="title"/>
+          </p:nvPr>
+        </p:nvSpPr>
+        <p:spPr/>
+        <p:txBody>
+          <a:bodyPr/>
+          <a:lstStyle/>
+          <a:p>
+            <a:r>
+              <a:rPr lang="en-AU" dirty="0" err="1"/>
+              <a:t>Pedestrian_Button</a:t>
+            </a:r>
+            <a:r>
+              <a:rPr lang="en-AU" dirty="0"/>
+              <a:t> “Getter”</a:t>
+            </a:r>
+          </a:p>
+        </p:txBody>
+      </p:sp>
+      <p:sp>
+        <p:nvSpPr>
+          <p:cNvPr id="3" name="Content Placeholder 2">
+            <a:extLst>
+              <a:ext uri="{FF2B5EF4-FFF2-40B4-BE49-F238E27FC236}">
+                <a16:creationId xmlns:a16="http://schemas.microsoft.com/office/drawing/2014/main" id="{C2C8DF3B-9ABB-07C7-805D-34BABB6E0262}"/>
+              </a:ext>
+            </a:extLst>
+          </p:cNvPr>
+          <p:cNvSpPr>
+            <a:spLocks noGrp="1"/>
+          </p:cNvSpPr>
+          <p:nvPr>
+            <p:ph idx="1"/>
+          </p:nvPr>
+        </p:nvSpPr>
+        <p:spPr/>
+        <p:txBody>
+          <a:bodyPr>
+            <a:normAutofit/>
+          </a:bodyPr>
+          <a:lstStyle/>
+          <a:p>
+            <a:pPr marL="0" indent="0">
+              <a:buNone/>
+            </a:pPr>
+            <a:r>
+              <a:rPr lang="en-US" sz="2400" dirty="0">
+                <a:latin typeface="Consolas" panose="020B0609020204030204" pitchFamily="49" charset="0"/>
+                <a:ea typeface="Cascadia Mono SemiLight" panose="020B0609020000020004" pitchFamily="49" charset="0"/>
+                <a:cs typeface="Cascadia Mono SemiLight" panose="020B0609020000020004" pitchFamily="49" charset="0"/>
+              </a:rPr>
+              <a:t>@property</a:t>
+            </a:r>
+          </a:p>
+          <a:p>
+            <a:pPr marL="0" indent="0">
+              <a:buNone/>
+            </a:pPr>
+            <a:r>
+              <a:rPr lang="en-US" sz="2400" dirty="0">
+                <a:latin typeface="Consolas" panose="020B0609020204030204" pitchFamily="49" charset="0"/>
+                <a:ea typeface="Cascadia Mono SemiLight" panose="020B0609020000020004" pitchFamily="49" charset="0"/>
+                <a:cs typeface="Cascadia Mono SemiLight" panose="020B0609020000020004" pitchFamily="49" charset="0"/>
+              </a:rPr>
+              <a:t>def </a:t>
+            </a:r>
+            <a:r>
+              <a:rPr lang="en-US" sz="2400" dirty="0" err="1">
+                <a:latin typeface="Consolas" panose="020B0609020204030204" pitchFamily="49" charset="0"/>
+                <a:ea typeface="Cascadia Mono SemiLight" panose="020B0609020000020004" pitchFamily="49" charset="0"/>
+                <a:cs typeface="Cascadia Mono SemiLight" panose="020B0609020000020004" pitchFamily="49" charset="0"/>
+              </a:rPr>
+              <a:t>button_state</a:t>
+            </a:r>
+            <a:r>
+              <a:rPr lang="en-US" sz="2400" dirty="0">
+                <a:latin typeface="Consolas" panose="020B0609020204030204" pitchFamily="49" charset="0"/>
+                <a:ea typeface="Cascadia Mono SemiLight" panose="020B0609020000020004" pitchFamily="49" charset="0"/>
+                <a:cs typeface="Cascadia Mono SemiLight" panose="020B0609020000020004" pitchFamily="49" charset="0"/>
+              </a:rPr>
+              <a:t>(self):</a:t>
+            </a:r>
+          </a:p>
+          <a:p>
+            <a:pPr marL="457200" lvl="1" indent="0">
+              <a:buNone/>
+            </a:pPr>
+            <a:r>
+              <a:rPr lang="en-US" dirty="0">
+                <a:latin typeface="Consolas" panose="020B0609020204030204" pitchFamily="49" charset="0"/>
+                <a:ea typeface="Cascadia Mono SemiLight" panose="020B0609020000020004" pitchFamily="49" charset="0"/>
+                <a:cs typeface="Cascadia Mono SemiLight" panose="020B0609020000020004" pitchFamily="49" charset="0"/>
+              </a:rPr>
+              <a:t>if </a:t>
+            </a:r>
+            <a:r>
+              <a:rPr lang="en-US" dirty="0" err="1">
+                <a:latin typeface="Consolas" panose="020B0609020204030204" pitchFamily="49" charset="0"/>
+                <a:ea typeface="Cascadia Mono SemiLight" panose="020B0609020000020004" pitchFamily="49" charset="0"/>
+                <a:cs typeface="Cascadia Mono SemiLight" panose="020B0609020000020004" pitchFamily="49" charset="0"/>
+              </a:rPr>
+              <a:t>self.__debug</a:t>
+            </a:r>
+            <a:r>
+              <a:rPr lang="en-US" dirty="0">
+                <a:latin typeface="Consolas" panose="020B0609020204030204" pitchFamily="49" charset="0"/>
+                <a:ea typeface="Cascadia Mono SemiLight" panose="020B0609020000020004" pitchFamily="49" charset="0"/>
+                <a:cs typeface="Cascadia Mono SemiLight" panose="020B0609020000020004" pitchFamily="49" charset="0"/>
+              </a:rPr>
+              <a:t>:</a:t>
+            </a:r>
+          </a:p>
+          <a:p>
+            <a:pPr marL="914400" lvl="2" indent="0">
+              <a:buNone/>
+            </a:pPr>
+            <a:r>
+              <a:rPr lang="en-US" sz="2400" dirty="0">
+                <a:latin typeface="Consolas" panose="020B0609020204030204" pitchFamily="49" charset="0"/>
+                <a:ea typeface="Cascadia Mono SemiLight" panose="020B0609020000020004" pitchFamily="49" charset="0"/>
+                <a:cs typeface="Cascadia Mono SemiLight" panose="020B0609020000020004" pitchFamily="49" charset="0"/>
+              </a:rPr>
+              <a:t>print(</a:t>
+            </a:r>
+            <a:r>
+              <a:rPr lang="en-US" sz="2400" dirty="0" err="1">
+                <a:latin typeface="Consolas" panose="020B0609020204030204" pitchFamily="49" charset="0"/>
+                <a:ea typeface="Cascadia Mono SemiLight" panose="020B0609020000020004" pitchFamily="49" charset="0"/>
+                <a:cs typeface="Cascadia Mono SemiLight" panose="020B0609020000020004" pitchFamily="49" charset="0"/>
+              </a:rPr>
+              <a:t>f"Button</a:t>
+            </a:r>
+            <a:r>
+              <a:rPr lang="en-US" sz="2400" dirty="0">
+                <a:latin typeface="Consolas" panose="020B0609020204030204" pitchFamily="49" charset="0"/>
+                <a:ea typeface="Cascadia Mono SemiLight" panose="020B0609020000020004" pitchFamily="49" charset="0"/>
+                <a:cs typeface="Cascadia Mono SemiLight" panose="020B0609020000020004" pitchFamily="49" charset="0"/>
+              </a:rPr>
+              <a:t> connected to Pin {</a:t>
+            </a:r>
+            <a:r>
+              <a:rPr lang="en-US" sz="2400" dirty="0" err="1">
+                <a:latin typeface="Consolas" panose="020B0609020204030204" pitchFamily="49" charset="0"/>
+                <a:ea typeface="Cascadia Mono SemiLight" panose="020B0609020000020004" pitchFamily="49" charset="0"/>
+                <a:cs typeface="Cascadia Mono SemiLight" panose="020B0609020000020004" pitchFamily="49" charset="0"/>
+              </a:rPr>
+              <a:t>self.__pin</a:t>
+            </a:r>
+            <a:r>
+              <a:rPr lang="en-US" sz="2400" dirty="0">
+                <a:latin typeface="Consolas" panose="020B0609020204030204" pitchFamily="49" charset="0"/>
+                <a:ea typeface="Cascadia Mono SemiLight" panose="020B0609020000020004" pitchFamily="49" charset="0"/>
+                <a:cs typeface="Cascadia Mono SemiLight" panose="020B0609020000020004" pitchFamily="49" charset="0"/>
+              </a:rPr>
+              <a:t>} is {'WAITING' if self.__</a:t>
+            </a:r>
+            <a:r>
+              <a:rPr lang="en-US" sz="2400" dirty="0" err="1">
+                <a:latin typeface="Consolas" panose="020B0609020204030204" pitchFamily="49" charset="0"/>
+                <a:ea typeface="Cascadia Mono SemiLight" panose="020B0609020000020004" pitchFamily="49" charset="0"/>
+                <a:cs typeface="Cascadia Mono SemiLight" panose="020B0609020000020004" pitchFamily="49" charset="0"/>
+              </a:rPr>
+              <a:t>pedestrian_waiting</a:t>
+            </a:r>
+            <a:r>
+              <a:rPr lang="en-US" sz="2400" dirty="0">
+                <a:latin typeface="Consolas" panose="020B0609020204030204" pitchFamily="49" charset="0"/>
+                <a:ea typeface="Cascadia Mono SemiLight" panose="020B0609020000020004" pitchFamily="49" charset="0"/>
+                <a:cs typeface="Cascadia Mono SemiLight" panose="020B0609020000020004" pitchFamily="49" charset="0"/>
+              </a:rPr>
+              <a:t> else 'NOT WAITING'}")</a:t>
+            </a:r>
+          </a:p>
+          <a:p>
+            <a:pPr marL="457200" lvl="1" indent="0">
+              <a:buNone/>
+            </a:pPr>
+            <a:r>
+              <a:rPr lang="en-US" dirty="0">
+                <a:latin typeface="Consolas" panose="020B0609020204030204" pitchFamily="49" charset="0"/>
+                <a:ea typeface="Cascadia Mono SemiLight" panose="020B0609020000020004" pitchFamily="49" charset="0"/>
+                <a:cs typeface="Cascadia Mono SemiLight" panose="020B0609020000020004" pitchFamily="49" charset="0"/>
+              </a:rPr>
+              <a:t>return self.__</a:t>
+            </a:r>
+            <a:r>
+              <a:rPr lang="en-US" dirty="0" err="1">
+                <a:latin typeface="Consolas" panose="020B0609020204030204" pitchFamily="49" charset="0"/>
+                <a:ea typeface="Cascadia Mono SemiLight" panose="020B0609020000020004" pitchFamily="49" charset="0"/>
+                <a:cs typeface="Cascadia Mono SemiLight" panose="020B0609020000020004" pitchFamily="49" charset="0"/>
+              </a:rPr>
+              <a:t>pedestrian_waiting</a:t>
+            </a:r>
+            <a:endParaRPr lang="en-AU" dirty="0">
+              <a:latin typeface="Consolas" panose="020B0609020204030204" pitchFamily="49" charset="0"/>
+              <a:ea typeface="Cascadia Mono SemiLight" panose="020B0609020000020004" pitchFamily="49" charset="0"/>
+              <a:cs typeface="Cascadia Mono SemiLight" panose="020B0609020000020004" pitchFamily="49" charset="0"/>
+            </a:endParaRPr>
+          </a:p>
+        </p:txBody>
+      </p:sp>
+    </p:spTree>
+    <p:extLst>
+      <p:ext uri="{BB962C8B-B14F-4D97-AF65-F5344CB8AC3E}">
+        <p14:creationId xmlns:p14="http://schemas.microsoft.com/office/powerpoint/2010/main" val="3357493407"/>
+      </p:ext>
+    </p:extLst>
+  </p:cSld>
+  <p:clrMapOvr>
+    <a:masterClrMapping/>
+  </p:clrMapOvr>
+</p:sld>
+</file>
+
+<file path=ppt/slides/slide8.xml><?xml version="1.0" encoding="utf-8"?>
+<p:sld xmlns:a="http://schemas.openxmlformats.org/drawingml/2006/main" xmlns:r="http://schemas.openxmlformats.org/officeDocument/2006/relationships" xmlns:p="http://schemas.openxmlformats.org/presentationml/2006/main">
+  <p:cSld>
+    <p:spTree>
+      <p:nvGrpSpPr>
+        <p:cNvPr id="1" name="">
+          <a:extLst>
+            <a:ext uri="{FF2B5EF4-FFF2-40B4-BE49-F238E27FC236}">
+              <a16:creationId xmlns:a16="http://schemas.microsoft.com/office/drawing/2014/main" id="{B9DD54EE-9F1F-013F-4DE1-F9BA89A8F675}"/>
+            </a:ext>
+          </a:extLst>
+        </p:cNvPr>
+        <p:cNvGrpSpPr/>
+        <p:nvPr/>
+      </p:nvGrpSpPr>
+      <p:grpSpPr>
+        <a:xfrm>
+          <a:off x="0" y="0"/>
+          <a:ext cx="0" cy="0"/>
+          <a:chOff x="0" y="0"/>
+          <a:chExt cx="0" cy="0"/>
+        </a:xfrm>
+      </p:grpSpPr>
+      <p:sp>
+        <p:nvSpPr>
+          <p:cNvPr id="2" name="Title 1">
+            <a:extLst>
+              <a:ext uri="{FF2B5EF4-FFF2-40B4-BE49-F238E27FC236}">
+                <a16:creationId xmlns:a16="http://schemas.microsoft.com/office/drawing/2014/main" id="{2227B6A9-C82E-2DD9-7DB3-45D6EA88C8A3}"/>
+              </a:ext>
+            </a:extLst>
+          </p:cNvPr>
+          <p:cNvSpPr>
+            <a:spLocks noGrp="1"/>
+          </p:cNvSpPr>
+          <p:nvPr>
+            <p:ph type="title"/>
+          </p:nvPr>
+        </p:nvSpPr>
+        <p:spPr/>
+        <p:txBody>
+          <a:bodyPr/>
+          <a:lstStyle/>
+          <a:p>
+            <a:r>
+              <a:rPr lang="en-AU" dirty="0" err="1"/>
+              <a:t>Pedestrian_Button</a:t>
+            </a:r>
+            <a:r>
+              <a:rPr lang="en-AU" dirty="0"/>
+              <a:t> “Setter”</a:t>
+            </a:r>
+          </a:p>
+        </p:txBody>
+      </p:sp>
+      <p:sp>
+        <p:nvSpPr>
+          <p:cNvPr id="3" name="Content Placeholder 2">
+            <a:extLst>
+              <a:ext uri="{FF2B5EF4-FFF2-40B4-BE49-F238E27FC236}">
+                <a16:creationId xmlns:a16="http://schemas.microsoft.com/office/drawing/2014/main" id="{86FA9FFB-5055-BFCD-164D-DE40409E9218}"/>
+              </a:ext>
+            </a:extLst>
+          </p:cNvPr>
+          <p:cNvSpPr>
+            <a:spLocks noGrp="1"/>
+          </p:cNvSpPr>
+          <p:nvPr>
+            <p:ph idx="1"/>
+          </p:nvPr>
+        </p:nvSpPr>
+        <p:spPr/>
+        <p:txBody>
+          <a:bodyPr>
+            <a:normAutofit/>
+          </a:bodyPr>
+          <a:lstStyle/>
+          <a:p>
+            <a:pPr marL="0" indent="0">
+              <a:buNone/>
+            </a:pPr>
+            <a:r>
+              <a:rPr lang="en-US" sz="2400" dirty="0">
+                <a:latin typeface="Consolas" panose="020B0609020204030204" pitchFamily="49" charset="0"/>
+                <a:ea typeface="Cascadia Mono SemiLight" panose="020B0609020000020004" pitchFamily="49" charset="0"/>
+                <a:cs typeface="Cascadia Mono SemiLight" panose="020B0609020000020004" pitchFamily="49" charset="0"/>
+              </a:rPr>
+              <a:t>@button_state.setter</a:t>
+            </a:r>
+          </a:p>
+          <a:p>
+            <a:pPr marL="0" indent="0">
+              <a:buNone/>
+            </a:pPr>
+            <a:r>
+              <a:rPr lang="en-US" sz="2400" dirty="0">
+                <a:latin typeface="Consolas" panose="020B0609020204030204" pitchFamily="49" charset="0"/>
+                <a:ea typeface="Cascadia Mono SemiLight" panose="020B0609020000020004" pitchFamily="49" charset="0"/>
+                <a:cs typeface="Cascadia Mono SemiLight" panose="020B0609020000020004" pitchFamily="49" charset="0"/>
+              </a:rPr>
+              <a:t>def </a:t>
+            </a:r>
+            <a:r>
+              <a:rPr lang="en-US" sz="2400" dirty="0" err="1">
+                <a:latin typeface="Consolas" panose="020B0609020204030204" pitchFamily="49" charset="0"/>
+                <a:ea typeface="Cascadia Mono SemiLight" panose="020B0609020000020004" pitchFamily="49" charset="0"/>
+                <a:cs typeface="Cascadia Mono SemiLight" panose="020B0609020000020004" pitchFamily="49" charset="0"/>
+              </a:rPr>
+              <a:t>button_state</a:t>
+            </a:r>
+            <a:r>
+              <a:rPr lang="en-US" sz="2400" dirty="0">
+                <a:latin typeface="Consolas" panose="020B0609020204030204" pitchFamily="49" charset="0"/>
+                <a:ea typeface="Cascadia Mono SemiLight" panose="020B0609020000020004" pitchFamily="49" charset="0"/>
+                <a:cs typeface="Cascadia Mono SemiLight" panose="020B0609020000020004" pitchFamily="49" charset="0"/>
+              </a:rPr>
+              <a:t>(self, value):</a:t>
+            </a:r>
+          </a:p>
+          <a:p>
+            <a:pPr marL="457200" lvl="1" indent="0">
+              <a:buNone/>
+            </a:pPr>
+            <a:r>
+              <a:rPr lang="en-US" dirty="0">
+                <a:latin typeface="Consolas" panose="020B0609020204030204" pitchFamily="49" charset="0"/>
+                <a:ea typeface="Cascadia Mono SemiLight" panose="020B0609020000020004" pitchFamily="49" charset="0"/>
+                <a:cs typeface="Cascadia Mono SemiLight" panose="020B0609020000020004" pitchFamily="49" charset="0"/>
+              </a:rPr>
+              <a:t>self.__</a:t>
+            </a:r>
+            <a:r>
+              <a:rPr lang="en-US" dirty="0" err="1">
+                <a:latin typeface="Consolas" panose="020B0609020204030204" pitchFamily="49" charset="0"/>
+                <a:ea typeface="Cascadia Mono SemiLight" panose="020B0609020000020004" pitchFamily="49" charset="0"/>
+                <a:cs typeface="Cascadia Mono SemiLight" panose="020B0609020000020004" pitchFamily="49" charset="0"/>
+              </a:rPr>
+              <a:t>pedestrian_waiting</a:t>
+            </a:r>
+            <a:r>
+              <a:rPr lang="en-US" dirty="0">
+                <a:latin typeface="Consolas" panose="020B0609020204030204" pitchFamily="49" charset="0"/>
+                <a:ea typeface="Cascadia Mono SemiLight" panose="020B0609020000020004" pitchFamily="49" charset="0"/>
+                <a:cs typeface="Cascadia Mono SemiLight" panose="020B0609020000020004" pitchFamily="49" charset="0"/>
+              </a:rPr>
+              <a:t> = value</a:t>
+            </a:r>
+          </a:p>
+          <a:p>
+            <a:pPr marL="457200" lvl="1" indent="0">
+              <a:buNone/>
+            </a:pPr>
+            <a:r>
+              <a:rPr lang="en-US" dirty="0">
+                <a:latin typeface="Consolas" panose="020B0609020204030204" pitchFamily="49" charset="0"/>
+                <a:ea typeface="Cascadia Mono SemiLight" panose="020B0609020000020004" pitchFamily="49" charset="0"/>
+                <a:cs typeface="Cascadia Mono SemiLight" panose="020B0609020000020004" pitchFamily="49" charset="0"/>
+              </a:rPr>
+              <a:t>if </a:t>
+            </a:r>
+            <a:r>
+              <a:rPr lang="en-US" dirty="0" err="1">
+                <a:latin typeface="Consolas" panose="020B0609020204030204" pitchFamily="49" charset="0"/>
+                <a:ea typeface="Cascadia Mono SemiLight" panose="020B0609020000020004" pitchFamily="49" charset="0"/>
+                <a:cs typeface="Cascadia Mono SemiLight" panose="020B0609020000020004" pitchFamily="49" charset="0"/>
+              </a:rPr>
+              <a:t>self.__debug</a:t>
+            </a:r>
+            <a:r>
+              <a:rPr lang="en-US" dirty="0">
+                <a:latin typeface="Consolas" panose="020B0609020204030204" pitchFamily="49" charset="0"/>
+                <a:ea typeface="Cascadia Mono SemiLight" panose="020B0609020000020004" pitchFamily="49" charset="0"/>
+                <a:cs typeface="Cascadia Mono SemiLight" panose="020B0609020000020004" pitchFamily="49" charset="0"/>
+              </a:rPr>
+              <a:t>:</a:t>
+            </a:r>
+          </a:p>
+          <a:p>
+            <a:pPr marL="914400" lvl="2" indent="0">
+              <a:buNone/>
+            </a:pPr>
+            <a:r>
+              <a:rPr lang="en-US" sz="2400" dirty="0">
+                <a:latin typeface="Consolas" panose="020B0609020204030204" pitchFamily="49" charset="0"/>
+                <a:ea typeface="Cascadia Mono SemiLight" panose="020B0609020000020004" pitchFamily="49" charset="0"/>
+                <a:cs typeface="Cascadia Mono SemiLight" panose="020B0609020000020004" pitchFamily="49" charset="0"/>
+              </a:rPr>
+              <a:t>print(</a:t>
+            </a:r>
+            <a:r>
+              <a:rPr lang="en-US" sz="2400" dirty="0" err="1">
+                <a:latin typeface="Consolas" panose="020B0609020204030204" pitchFamily="49" charset="0"/>
+                <a:ea typeface="Cascadia Mono SemiLight" panose="020B0609020000020004" pitchFamily="49" charset="0"/>
+                <a:cs typeface="Cascadia Mono SemiLight" panose="020B0609020000020004" pitchFamily="49" charset="0"/>
+              </a:rPr>
+              <a:t>f"Button</a:t>
+            </a:r>
+            <a:r>
+              <a:rPr lang="en-US" sz="2400" dirty="0">
+                <a:latin typeface="Consolas" panose="020B0609020204030204" pitchFamily="49" charset="0"/>
+                <a:ea typeface="Cascadia Mono SemiLight" panose="020B0609020000020004" pitchFamily="49" charset="0"/>
+                <a:cs typeface="Cascadia Mono SemiLight" panose="020B0609020000020004" pitchFamily="49" charset="0"/>
+              </a:rPr>
+              <a:t> state on Pin {</a:t>
+            </a:r>
+            <a:r>
+              <a:rPr lang="en-US" sz="2400" dirty="0" err="1">
+                <a:latin typeface="Consolas" panose="020B0609020204030204" pitchFamily="49" charset="0"/>
+                <a:ea typeface="Cascadia Mono SemiLight" panose="020B0609020000020004" pitchFamily="49" charset="0"/>
+                <a:cs typeface="Cascadia Mono SemiLight" panose="020B0609020000020004" pitchFamily="49" charset="0"/>
+              </a:rPr>
+              <a:t>self.__pin</a:t>
+            </a:r>
+            <a:r>
+              <a:rPr lang="en-US" sz="2400" dirty="0">
+                <a:latin typeface="Consolas" panose="020B0609020204030204" pitchFamily="49" charset="0"/>
+                <a:ea typeface="Cascadia Mono SemiLight" panose="020B0609020000020004" pitchFamily="49" charset="0"/>
+                <a:cs typeface="Cascadia Mono SemiLight" panose="020B0609020000020004" pitchFamily="49" charset="0"/>
+              </a:rPr>
+              <a:t>} set to {value}")</a:t>
+            </a:r>
+            <a:endParaRPr lang="en-AU" sz="2400" dirty="0">
+              <a:latin typeface="Consolas" panose="020B0609020204030204" pitchFamily="49" charset="0"/>
+              <a:ea typeface="Cascadia Mono SemiLight" panose="020B0609020000020004" pitchFamily="49" charset="0"/>
+              <a:cs typeface="Cascadia Mono SemiLight" panose="020B0609020000020004" pitchFamily="49" charset="0"/>
+            </a:endParaRPr>
+          </a:p>
+        </p:txBody>
+      </p:sp>
+    </p:spTree>
+    <p:extLst>
+      <p:ext uri="{BB962C8B-B14F-4D97-AF65-F5344CB8AC3E}">
+        <p14:creationId xmlns:p14="http://schemas.microsoft.com/office/powerpoint/2010/main" val="3935255901"/>
+      </p:ext>
+    </p:extLst>
+  </p:cSld>
+  <p:clrMapOvr>
+    <a:masterClrMapping/>
+  </p:clrMapOvr>
+</p:sld>
+</file>
+
+<file path=ppt/slides/slide9.xml><?xml version="1.0" encoding="utf-8"?>
+<p:sld xmlns:a="http://schemas.openxmlformats.org/drawingml/2006/main" xmlns:r="http://schemas.openxmlformats.org/officeDocument/2006/relationships" xmlns:p="http://schemas.openxmlformats.org/presentationml/2006/main">
+  <p:cSld>
+    <p:spTree>
+      <p:nvGrpSpPr>
+        <p:cNvPr id="1" name="">
+          <a:extLst>
+            <a:ext uri="{FF2B5EF4-FFF2-40B4-BE49-F238E27FC236}">
+              <a16:creationId xmlns:a16="http://schemas.microsoft.com/office/drawing/2014/main" id="{99F39895-2A06-40DC-FF8F-DE809EE6540B}"/>
+            </a:ext>
+          </a:extLst>
+        </p:cNvPr>
+        <p:cNvGrpSpPr/>
+        <p:nvPr/>
+      </p:nvGrpSpPr>
+      <p:grpSpPr>
+        <a:xfrm>
+          <a:off x="0" y="0"/>
+          <a:ext cx="0" cy="0"/>
+          <a:chOff x="0" y="0"/>
+          <a:chExt cx="0" cy="0"/>
+        </a:xfrm>
+      </p:grpSpPr>
+      <p:sp>
+        <p:nvSpPr>
+          <p:cNvPr id="2" name="Title 1">
+            <a:extLst>
+              <a:ext uri="{FF2B5EF4-FFF2-40B4-BE49-F238E27FC236}">
+                <a16:creationId xmlns:a16="http://schemas.microsoft.com/office/drawing/2014/main" id="{528E37FF-521C-1B29-E323-AC7353AE025D}"/>
+              </a:ext>
+            </a:extLst>
+          </p:cNvPr>
+          <p:cNvSpPr>
+            <a:spLocks noGrp="1"/>
+          </p:cNvSpPr>
+          <p:nvPr>
+            <p:ph type="title"/>
+          </p:nvPr>
+        </p:nvSpPr>
+        <p:spPr/>
+        <p:txBody>
+          <a:bodyPr/>
+          <a:lstStyle/>
+          <a:p>
+            <a:r>
+              <a:rPr lang="en-AU" dirty="0" err="1"/>
+              <a:t>Pedestrian_Button</a:t>
+            </a:r>
+            <a:r>
+              <a:rPr lang="en-AU" dirty="0"/>
+              <a:t> Interrupt</a:t>
+            </a:r>
+          </a:p>
+        </p:txBody>
+      </p:sp>
+      <p:sp>
+        <p:nvSpPr>
+          <p:cNvPr id="3" name="Content Placeholder 2">
+            <a:extLst>
+              <a:ext uri="{FF2B5EF4-FFF2-40B4-BE49-F238E27FC236}">
+                <a16:creationId xmlns:a16="http://schemas.microsoft.com/office/drawing/2014/main" id="{58228046-57AE-2A32-24F6-F698D2B780B5}"/>
+              </a:ext>
+            </a:extLst>
+          </p:cNvPr>
+          <p:cNvSpPr>
+            <a:spLocks noGrp="1"/>
+          </p:cNvSpPr>
+          <p:nvPr>
+            <p:ph idx="1"/>
+          </p:nvPr>
+        </p:nvSpPr>
+        <p:spPr/>
+        <p:txBody>
+          <a:bodyPr>
+            <a:normAutofit/>
+          </a:bodyPr>
+          <a:lstStyle/>
+          <a:p>
+            <a:pPr marL="0" indent="0">
+              <a:buNone/>
+            </a:pPr>
+            <a:r>
+              <a:rPr lang="en-US" sz="2400" dirty="0">
+                <a:latin typeface="Consolas" panose="020B0609020204030204" pitchFamily="49" charset="0"/>
+                <a:ea typeface="Cascadia Mono SemiLight" panose="020B0609020000020004" pitchFamily="49" charset="0"/>
+                <a:cs typeface="Cascadia Mono SemiLight" panose="020B0609020000020004" pitchFamily="49" charset="0"/>
+              </a:rPr>
+              <a:t>class </a:t>
+            </a:r>
+            <a:r>
+              <a:rPr lang="en-US" sz="2400" dirty="0" err="1">
+                <a:latin typeface="Consolas" panose="020B0609020204030204" pitchFamily="49" charset="0"/>
+                <a:ea typeface="Cascadia Mono SemiLight" panose="020B0609020000020004" pitchFamily="49" charset="0"/>
+                <a:cs typeface="Cascadia Mono SemiLight" panose="020B0609020000020004" pitchFamily="49" charset="0"/>
+              </a:rPr>
+              <a:t>Pedestrian_Button</a:t>
+            </a:r>
+            <a:r>
+              <a:rPr lang="en-US" sz="2400" dirty="0">
+                <a:latin typeface="Consolas" panose="020B0609020204030204" pitchFamily="49" charset="0"/>
+                <a:ea typeface="Cascadia Mono SemiLight" panose="020B0609020000020004" pitchFamily="49" charset="0"/>
+                <a:cs typeface="Cascadia Mono SemiLight" panose="020B0609020000020004" pitchFamily="49" charset="0"/>
+              </a:rPr>
+              <a:t>(Pin):</a:t>
+            </a:r>
+          </a:p>
+          <a:p>
+            <a:pPr marL="0" indent="0">
+              <a:buNone/>
+            </a:pPr>
+            <a:r>
+              <a:rPr lang="en-US" sz="2400" dirty="0">
+                <a:latin typeface="Consolas" panose="020B0609020204030204" pitchFamily="49" charset="0"/>
+                <a:ea typeface="Cascadia Mono SemiLight" panose="020B0609020000020004" pitchFamily="49" charset="0"/>
+                <a:cs typeface="Cascadia Mono SemiLight" panose="020B0609020000020004" pitchFamily="49" charset="0"/>
+              </a:rPr>
+              <a:t># child class inherits the parent 'Pin' class</a:t>
+            </a:r>
+          </a:p>
+          <a:p>
+            <a:pPr marL="457200" lvl="1" indent="0">
+              <a:buNone/>
+            </a:pPr>
+            <a:r>
+              <a:rPr lang="en-US" dirty="0">
+                <a:latin typeface="Consolas" panose="020B0609020204030204" pitchFamily="49" charset="0"/>
+                <a:ea typeface="Cascadia Mono SemiLight" panose="020B0609020000020004" pitchFamily="49" charset="0"/>
+                <a:cs typeface="Cascadia Mono SemiLight" panose="020B0609020000020004" pitchFamily="49" charset="0"/>
+              </a:rPr>
+              <a:t>def __</a:t>
+            </a:r>
+            <a:r>
+              <a:rPr lang="en-US" dirty="0" err="1">
+                <a:latin typeface="Consolas" panose="020B0609020204030204" pitchFamily="49" charset="0"/>
+                <a:ea typeface="Cascadia Mono SemiLight" panose="020B0609020000020004" pitchFamily="49" charset="0"/>
+                <a:cs typeface="Cascadia Mono SemiLight" panose="020B0609020000020004" pitchFamily="49" charset="0"/>
+              </a:rPr>
+              <a:t>init</a:t>
+            </a:r>
+            <a:r>
+              <a:rPr lang="en-US" dirty="0">
+                <a:latin typeface="Consolas" panose="020B0609020204030204" pitchFamily="49" charset="0"/>
+                <a:ea typeface="Cascadia Mono SemiLight" panose="020B0609020000020004" pitchFamily="49" charset="0"/>
+                <a:cs typeface="Cascadia Mono SemiLight" panose="020B0609020000020004" pitchFamily="49" charset="0"/>
+              </a:rPr>
+              <a:t>__(self, pin, debug):</a:t>
+            </a:r>
+          </a:p>
+          <a:p>
+            <a:pPr marL="914400" lvl="2" indent="0">
+              <a:buNone/>
+            </a:pPr>
+            <a:r>
+              <a:rPr lang="en-US" sz="2400" dirty="0">
+                <a:latin typeface="Consolas" panose="020B0609020204030204" pitchFamily="49" charset="0"/>
+                <a:ea typeface="Cascadia Mono SemiLight" panose="020B0609020000020004" pitchFamily="49" charset="0"/>
+                <a:cs typeface="Cascadia Mono SemiLight" panose="020B0609020000020004" pitchFamily="49" charset="0"/>
+              </a:rPr>
+              <a:t>…</a:t>
+            </a:r>
+          </a:p>
+          <a:p>
+            <a:pPr marL="914400" lvl="2" indent="0">
+              <a:buNone/>
+            </a:pPr>
+            <a:r>
+              <a:rPr lang="en-US" sz="2400" dirty="0">
+                <a:latin typeface="Consolas" panose="020B0609020204030204" pitchFamily="49" charset="0"/>
+                <a:ea typeface="Cascadia Mono SemiLight" panose="020B0609020000020004" pitchFamily="49" charset="0"/>
+                <a:cs typeface="Cascadia Mono SemiLight" panose="020B0609020000020004" pitchFamily="49" charset="0"/>
+              </a:rPr>
+              <a:t># Set up interrupt on rising edge</a:t>
+            </a:r>
+          </a:p>
+          <a:p>
+            <a:pPr marL="914400" lvl="2" indent="0">
+              <a:buNone/>
+            </a:pPr>
+            <a:r>
+              <a:rPr lang="en-US" sz="2400" dirty="0" err="1">
+                <a:latin typeface="Consolas" panose="020B0609020204030204" pitchFamily="49" charset="0"/>
+                <a:ea typeface="Cascadia Mono SemiLight" panose="020B0609020000020004" pitchFamily="49" charset="0"/>
+                <a:cs typeface="Cascadia Mono SemiLight" panose="020B0609020000020004" pitchFamily="49" charset="0"/>
+              </a:rPr>
+              <a:t>self.irq</a:t>
+            </a:r>
+            <a:r>
+              <a:rPr lang="en-US" sz="2400" dirty="0">
+                <a:latin typeface="Consolas" panose="020B0609020204030204" pitchFamily="49" charset="0"/>
+                <a:ea typeface="Cascadia Mono SemiLight" panose="020B0609020000020004" pitchFamily="49" charset="0"/>
+                <a:cs typeface="Cascadia Mono SemiLight" panose="020B0609020000020004" pitchFamily="49" charset="0"/>
+              </a:rPr>
+              <a:t>(trigger=</a:t>
+            </a:r>
+            <a:r>
+              <a:rPr lang="en-US" sz="2400" dirty="0" err="1">
+                <a:latin typeface="Consolas" panose="020B0609020204030204" pitchFamily="49" charset="0"/>
+                <a:ea typeface="Cascadia Mono SemiLight" panose="020B0609020000020004" pitchFamily="49" charset="0"/>
+                <a:cs typeface="Cascadia Mono SemiLight" panose="020B0609020000020004" pitchFamily="49" charset="0"/>
+              </a:rPr>
+              <a:t>Pin.IRQ_RISING</a:t>
+            </a:r>
+            <a:r>
+              <a:rPr lang="en-US" sz="2400" dirty="0">
+                <a:latin typeface="Consolas" panose="020B0609020204030204" pitchFamily="49" charset="0"/>
+                <a:ea typeface="Cascadia Mono SemiLight" panose="020B0609020000020004" pitchFamily="49" charset="0"/>
+                <a:cs typeface="Cascadia Mono SemiLight" panose="020B0609020000020004" pitchFamily="49" charset="0"/>
+              </a:rPr>
+              <a:t>, handler=</a:t>
+            </a:r>
+            <a:r>
+              <a:rPr lang="en-US" sz="2400" dirty="0" err="1">
+                <a:latin typeface="Consolas" panose="020B0609020204030204" pitchFamily="49" charset="0"/>
+                <a:ea typeface="Cascadia Mono SemiLight" panose="020B0609020000020004" pitchFamily="49" charset="0"/>
+                <a:cs typeface="Cascadia Mono SemiLight" panose="020B0609020000020004" pitchFamily="49" charset="0"/>
+              </a:rPr>
+              <a:t>self.callback</a:t>
+            </a:r>
+            <a:r>
+              <a:rPr lang="en-US" sz="2400" dirty="0">
+                <a:latin typeface="Consolas" panose="020B0609020204030204" pitchFamily="49" charset="0"/>
+                <a:ea typeface="Cascadia Mono SemiLight" panose="020B0609020000020004" pitchFamily="49" charset="0"/>
+                <a:cs typeface="Cascadia Mono SemiLight" panose="020B0609020000020004" pitchFamily="49" charset="0"/>
+              </a:rPr>
+              <a:t>)</a:t>
+            </a:r>
+          </a:p>
+        </p:txBody>
+      </p:sp>
+    </p:spTree>
+    <p:extLst>
+      <p:ext uri="{BB962C8B-B14F-4D97-AF65-F5344CB8AC3E}">
+        <p14:creationId xmlns:p14="http://schemas.microsoft.com/office/powerpoint/2010/main" val="3954115330"/>
       </p:ext>
     </p:extLst>
   </p:cSld>

--- a/tutorials/presentations/Lecture4.pptx
+++ b/tutorials/presentations/Lecture4.pptx
@@ -380,8 +380,8 @@
   </pc:docChgLst>
   <pc:docChgLst>
     <pc:chgData name="Ben Jones (Ben Jones)" userId="e6e8a0f3-34fe-4d14-b7ab-3a9f1769fff2" providerId="ADAL" clId="{5E7C3CBE-C13F-479A-83E0-3A9F66E33821}"/>
-    <pc:docChg chg="custSel addSld delSld modSld">
-      <pc:chgData name="Ben Jones (Ben Jones)" userId="e6e8a0f3-34fe-4d14-b7ab-3a9f1769fff2" providerId="ADAL" clId="{5E7C3CBE-C13F-479A-83E0-3A9F66E33821}" dt="2025-06-11T12:05:01.329" v="453"/>
+    <pc:docChg chg="undo custSel addSld delSld modSld">
+      <pc:chgData name="Ben Jones (Ben Jones)" userId="e6e8a0f3-34fe-4d14-b7ab-3a9f1769fff2" providerId="ADAL" clId="{5E7C3CBE-C13F-479A-83E0-3A9F66E33821}" dt="2025-06-11T13:07:46.055" v="472" actId="948"/>
       <pc:docMkLst>
         <pc:docMk/>
       </pc:docMkLst>
@@ -498,7 +498,7 @@
         </pc:spChg>
       </pc:sldChg>
       <pc:sldChg chg="modSp add mod">
-        <pc:chgData name="Ben Jones (Ben Jones)" userId="e6e8a0f3-34fe-4d14-b7ab-3a9f1769fff2" providerId="ADAL" clId="{5E7C3CBE-C13F-479A-83E0-3A9F66E33821}" dt="2025-06-11T12:05:01.329" v="453"/>
+        <pc:chgData name="Ben Jones (Ben Jones)" userId="e6e8a0f3-34fe-4d14-b7ab-3a9f1769fff2" providerId="ADAL" clId="{5E7C3CBE-C13F-479A-83E0-3A9F66E33821}" dt="2025-06-11T13:06:59.911" v="467" actId="948"/>
         <pc:sldMkLst>
           <pc:docMk/>
           <pc:sldMk cId="4286823996" sldId="268"/>
@@ -512,7 +512,7 @@
           </ac:spMkLst>
         </pc:spChg>
         <pc:spChg chg="mod">
-          <ac:chgData name="Ben Jones (Ben Jones)" userId="e6e8a0f3-34fe-4d14-b7ab-3a9f1769fff2" providerId="ADAL" clId="{5E7C3CBE-C13F-479A-83E0-3A9F66E33821}" dt="2025-06-11T12:05:01.329" v="453"/>
+          <ac:chgData name="Ben Jones (Ben Jones)" userId="e6e8a0f3-34fe-4d14-b7ab-3a9f1769fff2" providerId="ADAL" clId="{5E7C3CBE-C13F-479A-83E0-3A9F66E33821}" dt="2025-06-11T13:06:59.911" v="467" actId="948"/>
           <ac:spMkLst>
             <pc:docMk/>
             <pc:sldMk cId="4286823996" sldId="268"/>
@@ -528,7 +528,7 @@
         </pc:sldMkLst>
       </pc:sldChg>
       <pc:sldChg chg="modSp add mod">
-        <pc:chgData name="Ben Jones (Ben Jones)" userId="e6e8a0f3-34fe-4d14-b7ab-3a9f1769fff2" providerId="ADAL" clId="{5E7C3CBE-C13F-479A-83E0-3A9F66E33821}" dt="2025-06-11T11:50:55.919" v="96" actId="313"/>
+        <pc:chgData name="Ben Jones (Ben Jones)" userId="e6e8a0f3-34fe-4d14-b7ab-3a9f1769fff2" providerId="ADAL" clId="{5E7C3CBE-C13F-479A-83E0-3A9F66E33821}" dt="2025-06-11T13:07:17.545" v="469" actId="948"/>
         <pc:sldMkLst>
           <pc:docMk/>
           <pc:sldMk cId="3357493407" sldId="270"/>
@@ -542,7 +542,7 @@
           </ac:spMkLst>
         </pc:spChg>
         <pc:spChg chg="mod">
-          <ac:chgData name="Ben Jones (Ben Jones)" userId="e6e8a0f3-34fe-4d14-b7ab-3a9f1769fff2" providerId="ADAL" clId="{5E7C3CBE-C13F-479A-83E0-3A9F66E33821}" dt="2025-06-11T11:50:38.001" v="86" actId="255"/>
+          <ac:chgData name="Ben Jones (Ben Jones)" userId="e6e8a0f3-34fe-4d14-b7ab-3a9f1769fff2" providerId="ADAL" clId="{5E7C3CBE-C13F-479A-83E0-3A9F66E33821}" dt="2025-06-11T13:07:17.545" v="469" actId="948"/>
           <ac:spMkLst>
             <pc:docMk/>
             <pc:sldMk cId="3357493407" sldId="270"/>
@@ -551,7 +551,7 @@
         </pc:spChg>
       </pc:sldChg>
       <pc:sldChg chg="modSp add mod">
-        <pc:chgData name="Ben Jones (Ben Jones)" userId="e6e8a0f3-34fe-4d14-b7ab-3a9f1769fff2" providerId="ADAL" clId="{5E7C3CBE-C13F-479A-83E0-3A9F66E33821}" dt="2025-06-11T11:51:37.260" v="112" actId="255"/>
+        <pc:chgData name="Ben Jones (Ben Jones)" userId="e6e8a0f3-34fe-4d14-b7ab-3a9f1769fff2" providerId="ADAL" clId="{5E7C3CBE-C13F-479A-83E0-3A9F66E33821}" dt="2025-06-11T13:07:28.762" v="470" actId="948"/>
         <pc:sldMkLst>
           <pc:docMk/>
           <pc:sldMk cId="3935255901" sldId="271"/>
@@ -565,7 +565,7 @@
           </ac:spMkLst>
         </pc:spChg>
         <pc:spChg chg="mod">
-          <ac:chgData name="Ben Jones (Ben Jones)" userId="e6e8a0f3-34fe-4d14-b7ab-3a9f1769fff2" providerId="ADAL" clId="{5E7C3CBE-C13F-479A-83E0-3A9F66E33821}" dt="2025-06-11T11:51:37.260" v="112" actId="255"/>
+          <ac:chgData name="Ben Jones (Ben Jones)" userId="e6e8a0f3-34fe-4d14-b7ab-3a9f1769fff2" providerId="ADAL" clId="{5E7C3CBE-C13F-479A-83E0-3A9F66E33821}" dt="2025-06-11T13:07:28.762" v="470" actId="948"/>
           <ac:spMkLst>
             <pc:docMk/>
             <pc:sldMk cId="3935255901" sldId="271"/>
@@ -574,7 +574,7 @@
         </pc:spChg>
       </pc:sldChg>
       <pc:sldChg chg="modSp add mod">
-        <pc:chgData name="Ben Jones (Ben Jones)" userId="e6e8a0f3-34fe-4d14-b7ab-3a9f1769fff2" providerId="ADAL" clId="{5E7C3CBE-C13F-479A-83E0-3A9F66E33821}" dt="2025-06-11T11:53:50.557" v="157" actId="313"/>
+        <pc:chgData name="Ben Jones (Ben Jones)" userId="e6e8a0f3-34fe-4d14-b7ab-3a9f1769fff2" providerId="ADAL" clId="{5E7C3CBE-C13F-479A-83E0-3A9F66E33821}" dt="2025-06-11T13:07:38.184" v="471" actId="948"/>
         <pc:sldMkLst>
           <pc:docMk/>
           <pc:sldMk cId="3954115330" sldId="272"/>
@@ -588,7 +588,7 @@
           </ac:spMkLst>
         </pc:spChg>
         <pc:spChg chg="mod">
-          <ac:chgData name="Ben Jones (Ben Jones)" userId="e6e8a0f3-34fe-4d14-b7ab-3a9f1769fff2" providerId="ADAL" clId="{5E7C3CBE-C13F-479A-83E0-3A9F66E33821}" dt="2025-06-11T11:53:29.932" v="154" actId="255"/>
+          <ac:chgData name="Ben Jones (Ben Jones)" userId="e6e8a0f3-34fe-4d14-b7ab-3a9f1769fff2" providerId="ADAL" clId="{5E7C3CBE-C13F-479A-83E0-3A9F66E33821}" dt="2025-06-11T13:07:38.184" v="471" actId="948"/>
           <ac:spMkLst>
             <pc:docMk/>
             <pc:sldMk cId="3954115330" sldId="272"/>
@@ -597,7 +597,7 @@
         </pc:spChg>
       </pc:sldChg>
       <pc:sldChg chg="modSp add mod">
-        <pc:chgData name="Ben Jones (Ben Jones)" userId="e6e8a0f3-34fe-4d14-b7ab-3a9f1769fff2" providerId="ADAL" clId="{5E7C3CBE-C13F-479A-83E0-3A9F66E33821}" dt="2025-06-11T11:55:38.398" v="212" actId="255"/>
+        <pc:chgData name="Ben Jones (Ben Jones)" userId="e6e8a0f3-34fe-4d14-b7ab-3a9f1769fff2" providerId="ADAL" clId="{5E7C3CBE-C13F-479A-83E0-3A9F66E33821}" dt="2025-06-11T13:07:46.055" v="472" actId="948"/>
         <pc:sldMkLst>
           <pc:docMk/>
           <pc:sldMk cId="3561427741" sldId="273"/>
@@ -611,7 +611,7 @@
           </ac:spMkLst>
         </pc:spChg>
         <pc:spChg chg="mod">
-          <ac:chgData name="Ben Jones (Ben Jones)" userId="e6e8a0f3-34fe-4d14-b7ab-3a9f1769fff2" providerId="ADAL" clId="{5E7C3CBE-C13F-479A-83E0-3A9F66E33821}" dt="2025-06-11T11:55:38.398" v="212" actId="255"/>
+          <ac:chgData name="Ben Jones (Ben Jones)" userId="e6e8a0f3-34fe-4d14-b7ab-3a9f1769fff2" providerId="ADAL" clId="{5E7C3CBE-C13F-479A-83E0-3A9F66E33821}" dt="2025-06-11T13:07:46.055" v="472" actId="948"/>
           <ac:spMkLst>
             <pc:docMk/>
             <pc:sldMk cId="3561427741" sldId="273"/>
@@ -619,12 +619,20 @@
           </ac:spMkLst>
         </pc:spChg>
       </pc:sldChg>
-      <pc:sldChg chg="add">
-        <pc:chgData name="Ben Jones (Ben Jones)" userId="e6e8a0f3-34fe-4d14-b7ab-3a9f1769fff2" providerId="ADAL" clId="{5E7C3CBE-C13F-479A-83E0-3A9F66E33821}" dt="2025-06-11T12:04:38.690" v="435" actId="2890"/>
+      <pc:sldChg chg="modSp add mod">
+        <pc:chgData name="Ben Jones (Ben Jones)" userId="e6e8a0f3-34fe-4d14-b7ab-3a9f1769fff2" providerId="ADAL" clId="{5E7C3CBE-C13F-479A-83E0-3A9F66E33821}" dt="2025-06-11T13:07:09.660" v="468" actId="948"/>
         <pc:sldMkLst>
           <pc:docMk/>
           <pc:sldMk cId="1196129529" sldId="274"/>
         </pc:sldMkLst>
+        <pc:spChg chg="mod">
+          <ac:chgData name="Ben Jones (Ben Jones)" userId="e6e8a0f3-34fe-4d14-b7ab-3a9f1769fff2" providerId="ADAL" clId="{5E7C3CBE-C13F-479A-83E0-3A9F66E33821}" dt="2025-06-11T13:07:09.660" v="468" actId="948"/>
+          <ac:spMkLst>
+            <pc:docMk/>
+            <pc:sldMk cId="1196129529" sldId="274"/>
+            <ac:spMk id="3" creationId="{F17B0C28-707C-22FC-8646-0D0488285642}"/>
+          </ac:spMkLst>
+        </pc:spChg>
       </pc:sldChg>
     </pc:docChg>
   </pc:docChgLst>
@@ -4783,6 +4791,12 @@
           <a:lstStyle/>
           <a:p>
             <a:pPr marL="0" indent="0">
+              <a:lnSpc>
+                <a:spcPct val="100000"/>
+              </a:lnSpc>
+              <a:spcBef>
+                <a:spcPts val="0"/>
+              </a:spcBef>
               <a:buNone/>
             </a:pPr>
             <a:r>
@@ -4794,6 +4808,12 @@
           </a:p>
           <a:p>
             <a:pPr marL="457200" lvl="1" indent="0">
+              <a:lnSpc>
+                <a:spcPct val="100000"/>
+              </a:lnSpc>
+              <a:spcBef>
+                <a:spcPts val="0"/>
+              </a:spcBef>
               <a:buNone/>
             </a:pPr>
             <a:r>
@@ -4823,6 +4843,12 @@
           </a:p>
           <a:p>
             <a:pPr marL="457200" lvl="1" indent="0">
+              <a:lnSpc>
+                <a:spcPct val="100000"/>
+              </a:lnSpc>
+              <a:spcBef>
+                <a:spcPts val="0"/>
+              </a:spcBef>
               <a:buNone/>
             </a:pPr>
             <a:r>
@@ -4870,6 +4896,12 @@
           </a:p>
           <a:p>
             <a:pPr marL="914400" lvl="2" indent="0">
+              <a:lnSpc>
+                <a:spcPct val="100000"/>
+              </a:lnSpc>
+              <a:spcBef>
+                <a:spcPts val="0"/>
+              </a:spcBef>
               <a:buNone/>
             </a:pPr>
             <a:r>
@@ -4902,6 +4934,12 @@
           </a:p>
           <a:p>
             <a:pPr marL="914400" lvl="2" indent="0">
+              <a:lnSpc>
+                <a:spcPct val="100000"/>
+              </a:lnSpc>
+              <a:spcBef>
+                <a:spcPts val="0"/>
+              </a:spcBef>
               <a:buNone/>
             </a:pPr>
             <a:r>
@@ -4925,6 +4963,12 @@
           </a:p>
           <a:p>
             <a:pPr marL="914400" lvl="2" indent="0">
+              <a:lnSpc>
+                <a:spcPct val="100000"/>
+              </a:lnSpc>
+              <a:spcBef>
+                <a:spcPts val="0"/>
+              </a:spcBef>
               <a:buNone/>
             </a:pPr>
             <a:r>
@@ -4948,6 +4992,12 @@
           </a:p>
           <a:p>
             <a:pPr marL="1371600" lvl="3" indent="0">
+              <a:lnSpc>
+                <a:spcPct val="100000"/>
+              </a:lnSpc>
+              <a:spcBef>
+                <a:spcPts val="0"/>
+              </a:spcBef>
               <a:buNone/>
             </a:pPr>
             <a:r>
@@ -5779,6 +5829,12 @@
           <a:lstStyle/>
           <a:p>
             <a:pPr marL="0" indent="0">
+              <a:lnSpc>
+                <a:spcPct val="100000"/>
+              </a:lnSpc>
+              <a:spcBef>
+                <a:spcPts val="0"/>
+              </a:spcBef>
               <a:buNone/>
             </a:pPr>
             <a:r>
@@ -5792,10 +5848,16 @@
           </a:p>
           <a:p>
             <a:pPr marL="0" indent="0">
+              <a:lnSpc>
+                <a:spcPct val="100000"/>
+              </a:lnSpc>
+              <a:spcBef>
+                <a:spcPts val="0"/>
+              </a:spcBef>
               <a:buNone/>
             </a:pPr>
             <a:r>
-              <a:rPr lang="en-US" sz="2400">
+              <a:rPr lang="en-US" sz="2400" dirty="0">
                 <a:latin typeface="Consolas" panose="020B0609020204030204" pitchFamily="49" charset="0"/>
                 <a:ea typeface="Cascadia Mono SemiLight" panose="020B0609020000020004" pitchFamily="49" charset="0"/>
                 <a:cs typeface="Cascadia Mono SemiLight" panose="020B0609020000020004" pitchFamily="49" charset="0"/>
@@ -5902,6 +5964,12 @@
           <a:lstStyle/>
           <a:p>
             <a:pPr marL="0" indent="0">
+              <a:lnSpc>
+                <a:spcPct val="100000"/>
+              </a:lnSpc>
+              <a:spcBef>
+                <a:spcPts val="0"/>
+              </a:spcBef>
               <a:buNone/>
             </a:pPr>
             <a:r>
@@ -5931,6 +5999,12 @@
           </a:p>
           <a:p>
             <a:pPr marL="0" indent="0">
+              <a:lnSpc>
+                <a:spcPct val="100000"/>
+              </a:lnSpc>
+              <a:spcBef>
+                <a:spcPts val="0"/>
+              </a:spcBef>
               <a:buNone/>
             </a:pPr>
             <a:r>
@@ -5944,6 +6018,12 @@
           </a:p>
           <a:p>
             <a:pPr marL="457200" lvl="1" indent="0">
+              <a:lnSpc>
+                <a:spcPct val="100000"/>
+              </a:lnSpc>
+              <a:spcBef>
+                <a:spcPts val="0"/>
+              </a:spcBef>
               <a:buNone/>
             </a:pPr>
             <a:r>
@@ -5973,6 +6053,12 @@
           </a:p>
           <a:p>
             <a:pPr marL="914400" lvl="2" indent="0">
+              <a:lnSpc>
+                <a:spcPct val="100000"/>
+              </a:lnSpc>
+              <a:spcBef>
+                <a:spcPts val="0"/>
+              </a:spcBef>
               <a:buNone/>
             </a:pPr>
             <a:r>
@@ -6018,6 +6104,12 @@
           </a:p>
           <a:p>
             <a:pPr marL="914400" lvl="2" indent="0">
+              <a:lnSpc>
+                <a:spcPct val="100000"/>
+              </a:lnSpc>
+              <a:spcBef>
+                <a:spcPts val="0"/>
+              </a:spcBef>
               <a:buNone/>
             </a:pPr>
             <a:r>
@@ -6039,6 +6131,12 @@
           </a:p>
           <a:p>
             <a:pPr marL="914400" lvl="2" indent="0">
+              <a:lnSpc>
+                <a:spcPct val="100000"/>
+              </a:lnSpc>
+              <a:spcBef>
+                <a:spcPts val="0"/>
+              </a:spcBef>
               <a:buNone/>
             </a:pPr>
             <a:r>
@@ -6060,6 +6158,12 @@
           </a:p>
           <a:p>
             <a:pPr marL="914400" lvl="2" indent="0">
+              <a:lnSpc>
+                <a:spcPct val="100000"/>
+              </a:lnSpc>
+              <a:spcBef>
+                <a:spcPts val="0"/>
+              </a:spcBef>
               <a:buNone/>
             </a:pPr>
             <a:r>
@@ -6089,6 +6193,12 @@
           </a:p>
           <a:p>
             <a:pPr marL="914400" lvl="2" indent="0">
+              <a:lnSpc>
+                <a:spcPct val="100000"/>
+              </a:lnSpc>
+              <a:spcBef>
+                <a:spcPts val="0"/>
+              </a:spcBef>
               <a:buNone/>
             </a:pPr>
             <a:r>
@@ -6118,6 +6228,12 @@
           </a:p>
           <a:p>
             <a:pPr marL="914400" lvl="2" indent="0">
+              <a:lnSpc>
+                <a:spcPct val="100000"/>
+              </a:lnSpc>
+              <a:spcBef>
+                <a:spcPts val="0"/>
+              </a:spcBef>
               <a:buNone/>
             </a:pPr>
             <a:r>
@@ -6228,6 +6344,12 @@
           <a:lstStyle/>
           <a:p>
             <a:pPr marL="0" indent="0">
+              <a:lnSpc>
+                <a:spcPct val="100000"/>
+              </a:lnSpc>
+              <a:spcBef>
+                <a:spcPts val="0"/>
+              </a:spcBef>
               <a:buNone/>
             </a:pPr>
             <a:r>
@@ -6241,6 +6363,12 @@
           </a:p>
           <a:p>
             <a:pPr marL="0" indent="0">
+              <a:lnSpc>
+                <a:spcPct val="100000"/>
+              </a:lnSpc>
+              <a:spcBef>
+                <a:spcPts val="0"/>
+              </a:spcBef>
               <a:buNone/>
             </a:pPr>
             <a:r>
@@ -6270,6 +6398,12 @@
           </a:p>
           <a:p>
             <a:pPr marL="457200" lvl="1" indent="0">
+              <a:lnSpc>
+                <a:spcPct val="100000"/>
+              </a:lnSpc>
+              <a:spcBef>
+                <a:spcPts val="0"/>
+              </a:spcBef>
               <a:buNone/>
             </a:pPr>
             <a:r>
@@ -6299,6 +6433,12 @@
           </a:p>
           <a:p>
             <a:pPr marL="914400" lvl="2" indent="0">
+              <a:lnSpc>
+                <a:spcPct val="100000"/>
+              </a:lnSpc>
+              <a:spcBef>
+                <a:spcPts val="0"/>
+              </a:spcBef>
               <a:buNone/>
             </a:pPr>
             <a:r>
@@ -6360,6 +6500,12 @@
           </a:p>
           <a:p>
             <a:pPr marL="457200" lvl="1" indent="0">
+              <a:lnSpc>
+                <a:spcPct val="100000"/>
+              </a:lnSpc>
+              <a:spcBef>
+                <a:spcPts val="0"/>
+              </a:spcBef>
               <a:buNone/>
             </a:pPr>
             <a:r>
@@ -6478,6 +6624,12 @@
           <a:lstStyle/>
           <a:p>
             <a:pPr marL="0" indent="0">
+              <a:lnSpc>
+                <a:spcPct val="100000"/>
+              </a:lnSpc>
+              <a:spcBef>
+                <a:spcPts val="0"/>
+              </a:spcBef>
               <a:buNone/>
             </a:pPr>
             <a:r>
@@ -6491,6 +6643,12 @@
           </a:p>
           <a:p>
             <a:pPr marL="0" indent="0">
+              <a:lnSpc>
+                <a:spcPct val="100000"/>
+              </a:lnSpc>
+              <a:spcBef>
+                <a:spcPts val="0"/>
+              </a:spcBef>
               <a:buNone/>
             </a:pPr>
             <a:r>
@@ -6520,6 +6678,12 @@
           </a:p>
           <a:p>
             <a:pPr marL="457200" lvl="1" indent="0">
+              <a:lnSpc>
+                <a:spcPct val="100000"/>
+              </a:lnSpc>
+              <a:spcBef>
+                <a:spcPts val="0"/>
+              </a:spcBef>
               <a:buNone/>
             </a:pPr>
             <a:r>
@@ -6549,6 +6713,12 @@
           </a:p>
           <a:p>
             <a:pPr marL="457200" lvl="1" indent="0">
+              <a:lnSpc>
+                <a:spcPct val="100000"/>
+              </a:lnSpc>
+              <a:spcBef>
+                <a:spcPts val="0"/>
+              </a:spcBef>
               <a:buNone/>
             </a:pPr>
             <a:r>
@@ -6578,6 +6748,12 @@
           </a:p>
           <a:p>
             <a:pPr marL="914400" lvl="2" indent="0">
+              <a:lnSpc>
+                <a:spcPct val="100000"/>
+              </a:lnSpc>
+              <a:spcBef>
+                <a:spcPts val="0"/>
+              </a:spcBef>
               <a:buNone/>
             </a:pPr>
             <a:r>
@@ -6720,6 +6896,12 @@
           <a:lstStyle/>
           <a:p>
             <a:pPr marL="0" indent="0">
+              <a:lnSpc>
+                <a:spcPct val="100000"/>
+              </a:lnSpc>
+              <a:spcBef>
+                <a:spcPts val="0"/>
+              </a:spcBef>
               <a:buNone/>
             </a:pPr>
             <a:r>
@@ -6749,6 +6931,12 @@
           </a:p>
           <a:p>
             <a:pPr marL="0" indent="0">
+              <a:lnSpc>
+                <a:spcPct val="100000"/>
+              </a:lnSpc>
+              <a:spcBef>
+                <a:spcPts val="0"/>
+              </a:spcBef>
               <a:buNone/>
             </a:pPr>
             <a:r>
@@ -6762,6 +6950,12 @@
           </a:p>
           <a:p>
             <a:pPr marL="457200" lvl="1" indent="0">
+              <a:lnSpc>
+                <a:spcPct val="100000"/>
+              </a:lnSpc>
+              <a:spcBef>
+                <a:spcPts val="0"/>
+              </a:spcBef>
               <a:buNone/>
             </a:pPr>
             <a:r>
@@ -6791,6 +6985,12 @@
           </a:p>
           <a:p>
             <a:pPr marL="914400" lvl="2" indent="0">
+              <a:lnSpc>
+                <a:spcPct val="100000"/>
+              </a:lnSpc>
+              <a:spcBef>
+                <a:spcPts val="0"/>
+              </a:spcBef>
               <a:buNone/>
             </a:pPr>
             <a:r>
@@ -6804,6 +7004,12 @@
           </a:p>
           <a:p>
             <a:pPr marL="914400" lvl="2" indent="0">
+              <a:lnSpc>
+                <a:spcPct val="100000"/>
+              </a:lnSpc>
+              <a:spcBef>
+                <a:spcPts val="0"/>
+              </a:spcBef>
               <a:buNone/>
             </a:pPr>
             <a:r>
@@ -6817,6 +7023,12 @@
           </a:p>
           <a:p>
             <a:pPr marL="914400" lvl="2" indent="0">
+              <a:lnSpc>
+                <a:spcPct val="100000"/>
+              </a:lnSpc>
+              <a:spcBef>
+                <a:spcPts val="0"/>
+              </a:spcBef>
               <a:buNone/>
             </a:pPr>
             <a:r>
